--- a/Presentations/2. Intermediate presentation/IMS_A_6_Intermediate_Presentation.pptx
+++ b/Presentations/2. Intermediate presentation/IMS_A_6_Intermediate_Presentation.pptx
@@ -5,18 +5,19 @@
     <p:sldMasterId id="2147483732" r:id="rId1"/>
   </p:sldMasterIdLst>
   <p:notesMasterIdLst>
-    <p:notesMasterId r:id="rId8"/>
+    <p:notesMasterId r:id="rId9"/>
   </p:notesMasterIdLst>
   <p:handoutMasterIdLst>
-    <p:handoutMasterId r:id="rId9"/>
+    <p:handoutMasterId r:id="rId10"/>
   </p:handoutMasterIdLst>
   <p:sldIdLst>
     <p:sldId id="256" r:id="rId2"/>
     <p:sldId id="261" r:id="rId3"/>
     <p:sldId id="258" r:id="rId4"/>
-    <p:sldId id="259" r:id="rId5"/>
-    <p:sldId id="260" r:id="rId6"/>
-    <p:sldId id="262" r:id="rId7"/>
+    <p:sldId id="260" r:id="rId5"/>
+    <p:sldId id="262" r:id="rId6"/>
+    <p:sldId id="263" r:id="rId7"/>
+    <p:sldId id="264" r:id="rId8"/>
   </p:sldIdLst>
   <p:sldSz cx="9144000" cy="6858000" type="screen4x3"/>
   <p:notesSz cx="6858000" cy="9144000"/>
@@ -157,7 +158,7 @@
           <p:cNvPr id="2" name="Header Placeholder 1">
             <a:extLst>
               <a:ext uri="{FF2B5EF4-FFF2-40B4-BE49-F238E27FC236}">
-                <a16:creationId xmlns:a16="http://schemas.microsoft.com/office/drawing/2014/main" id="{5DCE3299-BD85-4043-B7FE-74DF3BA199DB}"/>
+                <a16:creationId xmlns:a16="http://schemas.microsoft.com/office/drawing/2014/main" xmlns="" id="{5DCE3299-BD85-4043-B7FE-74DF3BA199DB}"/>
               </a:ext>
             </a:extLst>
           </p:cNvPr>
@@ -194,7 +195,7 @@
           <p:cNvPr id="3" name="Date Placeholder 2">
             <a:extLst>
               <a:ext uri="{FF2B5EF4-FFF2-40B4-BE49-F238E27FC236}">
-                <a16:creationId xmlns:a16="http://schemas.microsoft.com/office/drawing/2014/main" id="{610E86E5-F4D4-46F3-8A0A-AE218C082BC9}"/>
+                <a16:creationId xmlns:a16="http://schemas.microsoft.com/office/drawing/2014/main" xmlns="" id="{610E86E5-F4D4-46F3-8A0A-AE218C082BC9}"/>
               </a:ext>
             </a:extLst>
           </p:cNvPr>
@@ -224,7 +225,7 @@
           <a:p>
             <a:fld id="{A6952B95-06EE-48F9-8CE6-BD72AE48B352}" type="datetimeFigureOut">
               <a:rPr lang="en-GB" smtClean="0"/>
-              <a:t>26/11/2017</a:t>
+              <a:t>27/11/2017</a:t>
             </a:fld>
             <a:endParaRPr lang="en-GB"/>
           </a:p>
@@ -235,7 +236,7 @@
           <p:cNvPr id="4" name="Footer Placeholder 3">
             <a:extLst>
               <a:ext uri="{FF2B5EF4-FFF2-40B4-BE49-F238E27FC236}">
-                <a16:creationId xmlns:a16="http://schemas.microsoft.com/office/drawing/2014/main" id="{1A2E9D3B-CD4B-4D44-8FAA-A4D69584EFA0}"/>
+                <a16:creationId xmlns:a16="http://schemas.microsoft.com/office/drawing/2014/main" xmlns="" id="{1A2E9D3B-CD4B-4D44-8FAA-A4D69584EFA0}"/>
               </a:ext>
             </a:extLst>
           </p:cNvPr>
@@ -272,7 +273,7 @@
           <p:cNvPr id="5" name="Slide Number Placeholder 4">
             <a:extLst>
               <a:ext uri="{FF2B5EF4-FFF2-40B4-BE49-F238E27FC236}">
-                <a16:creationId xmlns:a16="http://schemas.microsoft.com/office/drawing/2014/main" id="{374B4354-1FF3-456D-B9A4-2A30AF222922}"/>
+                <a16:creationId xmlns:a16="http://schemas.microsoft.com/office/drawing/2014/main" xmlns="" id="{374B4354-1FF3-456D-B9A4-2A30AF222922}"/>
               </a:ext>
             </a:extLst>
           </p:cNvPr>
@@ -401,7 +402,7 @@
           <a:p>
             <a:fld id="{5D71F2A7-5F20-42E8-AABF-EC7FFDF3CF26}" type="datetimeFigureOut">
               <a:rPr lang="en-GB" smtClean="0"/>
-              <a:t>26/11/2017</a:t>
+              <a:t>27/11/2017</a:t>
             </a:fld>
             <a:endParaRPr lang="en-GB"/>
           </a:p>
@@ -4422,7 +4423,7 @@
           <p:cNvPr id="2" name="Title 1">
             <a:extLst>
               <a:ext uri="{FF2B5EF4-FFF2-40B4-BE49-F238E27FC236}">
-                <a16:creationId xmlns:a16="http://schemas.microsoft.com/office/drawing/2014/main" id="{FB6883A6-8FC3-4BE1-BB43-A5E0FBE8E04E}"/>
+                <a16:creationId xmlns:a16="http://schemas.microsoft.com/office/drawing/2014/main" xmlns="" id="{FB6883A6-8FC3-4BE1-BB43-A5E0FBE8E04E}"/>
               </a:ext>
             </a:extLst>
           </p:cNvPr>
@@ -4457,7 +4458,7 @@
           <p:cNvPr id="3" name="Subtitle 2">
             <a:extLst>
               <a:ext uri="{FF2B5EF4-FFF2-40B4-BE49-F238E27FC236}">
-                <a16:creationId xmlns:a16="http://schemas.microsoft.com/office/drawing/2014/main" id="{CBCAA603-FC05-4E4B-AD75-940697CD8B7E}"/>
+                <a16:creationId xmlns:a16="http://schemas.microsoft.com/office/drawing/2014/main" xmlns="" id="{CBCAA603-FC05-4E4B-AD75-940697CD8B7E}"/>
               </a:ext>
             </a:extLst>
           </p:cNvPr>
@@ -4494,7 +4495,7 @@
           <p:cNvPr id="4" name="Date Placeholder 3">
             <a:extLst>
               <a:ext uri="{FF2B5EF4-FFF2-40B4-BE49-F238E27FC236}">
-                <a16:creationId xmlns:a16="http://schemas.microsoft.com/office/drawing/2014/main" id="{6A452B27-506E-486A-88DD-25DB601BB4CA}"/>
+                <a16:creationId xmlns:a16="http://schemas.microsoft.com/office/drawing/2014/main" xmlns="" id="{6A452B27-506E-486A-88DD-25DB601BB4CA}"/>
               </a:ext>
             </a:extLst>
           </p:cNvPr>
@@ -4528,7 +4529,7 @@
           <p:cNvPr id="5" name="Footer Placeholder 4">
             <a:extLst>
               <a:ext uri="{FF2B5EF4-FFF2-40B4-BE49-F238E27FC236}">
-                <a16:creationId xmlns:a16="http://schemas.microsoft.com/office/drawing/2014/main" id="{157B7025-7245-4F8A-A2D3-CA8DC9051100}"/>
+                <a16:creationId xmlns:a16="http://schemas.microsoft.com/office/drawing/2014/main" xmlns="" id="{157B7025-7245-4F8A-A2D3-CA8DC9051100}"/>
               </a:ext>
             </a:extLst>
           </p:cNvPr>
@@ -4566,6 +4567,13 @@
   <p:clrMapOvr>
     <a:masterClrMapping/>
   </p:clrMapOvr>
+  <p:timing>
+    <p:tnLst>
+      <p:par>
+        <p:cTn id="1" dur="indefinite" restart="never" nodeType="tmRoot"/>
+      </p:par>
+    </p:tnLst>
+  </p:timing>
 </p:sld>
 </file>
 
@@ -4591,7 +4599,7 @@
           <p:cNvPr id="2" name="Title 1">
             <a:extLst>
               <a:ext uri="{FF2B5EF4-FFF2-40B4-BE49-F238E27FC236}">
-                <a16:creationId xmlns:a16="http://schemas.microsoft.com/office/drawing/2014/main" id="{E34F0580-A203-4A19-A1EA-D994C7756136}"/>
+                <a16:creationId xmlns:a16="http://schemas.microsoft.com/office/drawing/2014/main" xmlns="" id="{E34F0580-A203-4A19-A1EA-D994C7756136}"/>
               </a:ext>
             </a:extLst>
           </p:cNvPr>
@@ -4619,7 +4627,7 @@
           <p:cNvPr id="3" name="Content Placeholder 2">
             <a:extLst>
               <a:ext uri="{FF2B5EF4-FFF2-40B4-BE49-F238E27FC236}">
-                <a16:creationId xmlns:a16="http://schemas.microsoft.com/office/drawing/2014/main" id="{A683F7D0-6178-44CC-A3B8-809ADC667CA8}"/>
+                <a16:creationId xmlns:a16="http://schemas.microsoft.com/office/drawing/2014/main" xmlns="" id="{A683F7D0-6178-44CC-A3B8-809ADC667CA8}"/>
               </a:ext>
             </a:extLst>
           </p:cNvPr>
@@ -4646,8 +4654,43 @@
             </a:pPr>
             <a:r>
               <a:rPr lang="it-IT" dirty="0"/>
-              <a:t> Bootstrap</a:t>
-            </a:r>
+              <a:t> </a:t>
+            </a:r>
+            <a:r>
+              <a:rPr lang="it-IT" dirty="0" smtClean="0"/>
+              <a:t>Bootstrap</a:t>
+            </a:r>
+          </a:p>
+          <a:p>
+            <a:pPr lvl="1">
+              <a:buFont typeface="Arial" panose="020B0604020202020204" pitchFamily="34" charset="0"/>
+              <a:buChar char="•"/>
+            </a:pPr>
+            <a:r>
+              <a:rPr lang="it-IT" dirty="0" smtClean="0"/>
+              <a:t>HTML</a:t>
+            </a:r>
+          </a:p>
+          <a:p>
+            <a:pPr lvl="1">
+              <a:buFont typeface="Arial" panose="020B0604020202020204" pitchFamily="34" charset="0"/>
+              <a:buChar char="•"/>
+            </a:pPr>
+            <a:r>
+              <a:rPr lang="it-IT" dirty="0" smtClean="0"/>
+              <a:t>CSS</a:t>
+            </a:r>
+          </a:p>
+          <a:p>
+            <a:pPr lvl="1">
+              <a:buFont typeface="Arial" panose="020B0604020202020204" pitchFamily="34" charset="0"/>
+              <a:buChar char="•"/>
+            </a:pPr>
+            <a:r>
+              <a:rPr lang="it-IT" dirty="0" smtClean="0"/>
+              <a:t>Javascript</a:t>
+            </a:r>
+            <a:endParaRPr lang="it-IT" dirty="0"/>
           </a:p>
           <a:p>
             <a:pPr>
@@ -4656,8 +4699,13 @@
             </a:pPr>
             <a:r>
               <a:rPr lang="it-IT" dirty="0"/>
-              <a:t> Php</a:t>
-            </a:r>
+              <a:t> </a:t>
+            </a:r>
+            <a:r>
+              <a:rPr lang="it-IT" dirty="0" smtClean="0"/>
+              <a:t>PHP</a:t>
+            </a:r>
+            <a:endParaRPr lang="it-IT" dirty="0"/>
           </a:p>
           <a:p>
             <a:pPr>
@@ -4683,7 +4731,7 @@
           <p:cNvPr id="4" name="Date Placeholder 3">
             <a:extLst>
               <a:ext uri="{FF2B5EF4-FFF2-40B4-BE49-F238E27FC236}">
-                <a16:creationId xmlns:a16="http://schemas.microsoft.com/office/drawing/2014/main" id="{E89CD802-A9B2-44A4-9B05-521831710354}"/>
+                <a16:creationId xmlns:a16="http://schemas.microsoft.com/office/drawing/2014/main" xmlns="" id="{E89CD802-A9B2-44A4-9B05-521831710354}"/>
               </a:ext>
             </a:extLst>
           </p:cNvPr>
@@ -4712,7 +4760,7 @@
           <p:cNvPr id="5" name="Footer Placeholder 4">
             <a:extLst>
               <a:ext uri="{FF2B5EF4-FFF2-40B4-BE49-F238E27FC236}">
-                <a16:creationId xmlns:a16="http://schemas.microsoft.com/office/drawing/2014/main" id="{A2B3A699-F20F-43DD-A646-DF2CFAACD8E2}"/>
+                <a16:creationId xmlns:a16="http://schemas.microsoft.com/office/drawing/2014/main" xmlns="" id="{A2B3A699-F20F-43DD-A646-DF2CFAACD8E2}"/>
               </a:ext>
             </a:extLst>
           </p:cNvPr>
@@ -4741,7 +4789,7 @@
           <p:cNvPr id="6" name="Slide Number Placeholder 5">
             <a:extLst>
               <a:ext uri="{FF2B5EF4-FFF2-40B4-BE49-F238E27FC236}">
-                <a16:creationId xmlns:a16="http://schemas.microsoft.com/office/drawing/2014/main" id="{600BC6BB-F68A-4021-994A-3985D0B8C07C}"/>
+                <a16:creationId xmlns:a16="http://schemas.microsoft.com/office/drawing/2014/main" xmlns="" id="{600BC6BB-F68A-4021-994A-3985D0B8C07C}"/>
               </a:ext>
             </a:extLst>
           </p:cNvPr>
@@ -4775,6 +4823,13 @@
   <p:clrMapOvr>
     <a:masterClrMapping/>
   </p:clrMapOvr>
+  <p:timing>
+    <p:tnLst>
+      <p:par>
+        <p:cTn id="1" dur="indefinite" restart="never" nodeType="tmRoot"/>
+      </p:par>
+    </p:tnLst>
+  </p:timing>
 </p:sld>
 </file>
 
@@ -4800,7 +4855,7 @@
           <p:cNvPr id="2" name="Title 1">
             <a:extLst>
               <a:ext uri="{FF2B5EF4-FFF2-40B4-BE49-F238E27FC236}">
-                <a16:creationId xmlns:a16="http://schemas.microsoft.com/office/drawing/2014/main" id="{E34F0580-A203-4A19-A1EA-D994C7756136}"/>
+                <a16:creationId xmlns:a16="http://schemas.microsoft.com/office/drawing/2014/main" xmlns="" id="{E34F0580-A203-4A19-A1EA-D994C7756136}"/>
               </a:ext>
             </a:extLst>
           </p:cNvPr>
@@ -4823,15 +4878,96 @@
           </a:p>
         </p:txBody>
       </p:sp>
-      <p:pic>
-        <p:nvPicPr>
-          <p:cNvPr id="8" name="Content Placeholder 7">
+      <p:sp>
+        <p:nvSpPr>
+          <p:cNvPr id="4" name="Date Placeholder 3">
             <a:extLst>
               <a:ext uri="{FF2B5EF4-FFF2-40B4-BE49-F238E27FC236}">
-                <a16:creationId xmlns:a16="http://schemas.microsoft.com/office/drawing/2014/main" id="{DEA414FD-1BBC-4ABF-B620-B8BBB9EC1573}"/>
+                <a16:creationId xmlns:a16="http://schemas.microsoft.com/office/drawing/2014/main" xmlns="" id="{E89CD802-A9B2-44A4-9B05-521831710354}"/>
               </a:ext>
             </a:extLst>
           </p:cNvPr>
+          <p:cNvSpPr>
+            <a:spLocks noGrp="1"/>
+          </p:cNvSpPr>
+          <p:nvPr>
+            <p:ph type="dt" sz="half" idx="10"/>
+          </p:nvPr>
+        </p:nvSpPr>
+        <p:spPr/>
+        <p:txBody>
+          <a:bodyPr/>
+          <a:lstStyle/>
+          <a:p>
+            <a:r>
+              <a:rPr lang="en-US"/>
+              <a:t>A.Y. 2017/18</a:t>
+            </a:r>
+            <a:endParaRPr lang="en-GB" dirty="0"/>
+          </a:p>
+        </p:txBody>
+      </p:sp>
+      <p:sp>
+        <p:nvSpPr>
+          <p:cNvPr id="5" name="Footer Placeholder 4">
+            <a:extLst>
+              <a:ext uri="{FF2B5EF4-FFF2-40B4-BE49-F238E27FC236}">
+                <a16:creationId xmlns:a16="http://schemas.microsoft.com/office/drawing/2014/main" xmlns="" id="{A2B3A699-F20F-43DD-A646-DF2CFAACD8E2}"/>
+              </a:ext>
+            </a:extLst>
+          </p:cNvPr>
+          <p:cNvSpPr>
+            <a:spLocks noGrp="1"/>
+          </p:cNvSpPr>
+          <p:nvPr>
+            <p:ph type="ftr" sz="quarter" idx="11"/>
+          </p:nvPr>
+        </p:nvSpPr>
+        <p:spPr/>
+        <p:txBody>
+          <a:bodyPr/>
+          <a:lstStyle/>
+          <a:p>
+            <a:r>
+              <a:rPr lang="it-IT"/>
+              <a:t>IMS – A6</a:t>
+            </a:r>
+            <a:endParaRPr lang="en-GB" dirty="0"/>
+          </a:p>
+        </p:txBody>
+      </p:sp>
+      <p:sp>
+        <p:nvSpPr>
+          <p:cNvPr id="6" name="Slide Number Placeholder 5">
+            <a:extLst>
+              <a:ext uri="{FF2B5EF4-FFF2-40B4-BE49-F238E27FC236}">
+                <a16:creationId xmlns:a16="http://schemas.microsoft.com/office/drawing/2014/main" xmlns="" id="{600BC6BB-F68A-4021-994A-3985D0B8C07C}"/>
+              </a:ext>
+            </a:extLst>
+          </p:cNvPr>
+          <p:cNvSpPr>
+            <a:spLocks noGrp="1"/>
+          </p:cNvSpPr>
+          <p:nvPr>
+            <p:ph type="sldNum" sz="quarter" idx="12"/>
+          </p:nvPr>
+        </p:nvSpPr>
+        <p:spPr/>
+        <p:txBody>
+          <a:bodyPr/>
+          <a:lstStyle/>
+          <a:p>
+            <a:fld id="{E63C5663-C309-400D-BD5F-8327758EFEBB}" type="slidenum">
+              <a:rPr lang="en-GB" smtClean="0"/>
+              <a:t>3</a:t>
+            </a:fld>
+            <a:endParaRPr lang="en-GB" dirty="0"/>
+          </a:p>
+        </p:txBody>
+      </p:sp>
+      <p:pic>
+        <p:nvPicPr>
+          <p:cNvPr id="7" name="Content Placeholder 6"/>
           <p:cNvPicPr>
             <a:picLocks noGrp="1" noChangeAspect="1"/>
           </p:cNvPicPr>
@@ -4853,98 +4989,11 @@
         </p:blipFill>
         <p:spPr>
           <a:xfrm>
-            <a:off x="1177542" y="1878038"/>
-            <a:ext cx="6834636" cy="3652995"/>
+            <a:off x="1300513" y="1957999"/>
+            <a:ext cx="6588693" cy="3975935"/>
           </a:xfrm>
         </p:spPr>
       </p:pic>
-      <p:sp>
-        <p:nvSpPr>
-          <p:cNvPr id="4" name="Date Placeholder 3">
-            <a:extLst>
-              <a:ext uri="{FF2B5EF4-FFF2-40B4-BE49-F238E27FC236}">
-                <a16:creationId xmlns:a16="http://schemas.microsoft.com/office/drawing/2014/main" id="{E89CD802-A9B2-44A4-9B05-521831710354}"/>
-              </a:ext>
-            </a:extLst>
-          </p:cNvPr>
-          <p:cNvSpPr>
-            <a:spLocks noGrp="1"/>
-          </p:cNvSpPr>
-          <p:nvPr>
-            <p:ph type="dt" sz="half" idx="10"/>
-          </p:nvPr>
-        </p:nvSpPr>
-        <p:spPr/>
-        <p:txBody>
-          <a:bodyPr/>
-          <a:lstStyle/>
-          <a:p>
-            <a:r>
-              <a:rPr lang="en-US"/>
-              <a:t>A.Y. 2017/18</a:t>
-            </a:r>
-            <a:endParaRPr lang="en-GB" dirty="0"/>
-          </a:p>
-        </p:txBody>
-      </p:sp>
-      <p:sp>
-        <p:nvSpPr>
-          <p:cNvPr id="5" name="Footer Placeholder 4">
-            <a:extLst>
-              <a:ext uri="{FF2B5EF4-FFF2-40B4-BE49-F238E27FC236}">
-                <a16:creationId xmlns:a16="http://schemas.microsoft.com/office/drawing/2014/main" id="{A2B3A699-F20F-43DD-A646-DF2CFAACD8E2}"/>
-              </a:ext>
-            </a:extLst>
-          </p:cNvPr>
-          <p:cNvSpPr>
-            <a:spLocks noGrp="1"/>
-          </p:cNvSpPr>
-          <p:nvPr>
-            <p:ph type="ftr" sz="quarter" idx="11"/>
-          </p:nvPr>
-        </p:nvSpPr>
-        <p:spPr/>
-        <p:txBody>
-          <a:bodyPr/>
-          <a:lstStyle/>
-          <a:p>
-            <a:r>
-              <a:rPr lang="it-IT"/>
-              <a:t>IMS – A6</a:t>
-            </a:r>
-            <a:endParaRPr lang="en-GB" dirty="0"/>
-          </a:p>
-        </p:txBody>
-      </p:sp>
-      <p:sp>
-        <p:nvSpPr>
-          <p:cNvPr id="6" name="Slide Number Placeholder 5">
-            <a:extLst>
-              <a:ext uri="{FF2B5EF4-FFF2-40B4-BE49-F238E27FC236}">
-                <a16:creationId xmlns:a16="http://schemas.microsoft.com/office/drawing/2014/main" id="{600BC6BB-F68A-4021-994A-3985D0B8C07C}"/>
-              </a:ext>
-            </a:extLst>
-          </p:cNvPr>
-          <p:cNvSpPr>
-            <a:spLocks noGrp="1"/>
-          </p:cNvSpPr>
-          <p:nvPr>
-            <p:ph type="sldNum" sz="quarter" idx="12"/>
-          </p:nvPr>
-        </p:nvSpPr>
-        <p:spPr/>
-        <p:txBody>
-          <a:bodyPr/>
-          <a:lstStyle/>
-          <a:p>
-            <a:fld id="{E63C5663-C309-400D-BD5F-8327758EFEBB}" type="slidenum">
-              <a:rPr lang="en-GB" smtClean="0"/>
-              <a:t>3</a:t>
-            </a:fld>
-            <a:endParaRPr lang="en-GB" dirty="0"/>
-          </a:p>
-        </p:txBody>
-      </p:sp>
     </p:spTree>
     <p:extLst>
       <p:ext uri="{BB962C8B-B14F-4D97-AF65-F5344CB8AC3E}">
@@ -4955,6 +5004,13 @@
   <p:clrMapOvr>
     <a:masterClrMapping/>
   </p:clrMapOvr>
+  <p:timing>
+    <p:tnLst>
+      <p:par>
+        <p:cTn id="1" dur="indefinite" restart="never" nodeType="tmRoot"/>
+      </p:par>
+    </p:tnLst>
+  </p:timing>
 </p:sld>
 </file>
 
@@ -4980,7 +5036,7 @@
           <p:cNvPr id="2" name="Title 1">
             <a:extLst>
               <a:ext uri="{FF2B5EF4-FFF2-40B4-BE49-F238E27FC236}">
-                <a16:creationId xmlns:a16="http://schemas.microsoft.com/office/drawing/2014/main" id="{E34F0580-A203-4A19-A1EA-D994C7756136}"/>
+                <a16:creationId xmlns:a16="http://schemas.microsoft.com/office/drawing/2014/main" xmlns="" id="{E34F0580-A203-4A19-A1EA-D994C7756136}"/>
               </a:ext>
             </a:extLst>
           </p:cNvPr>
@@ -4998,7 +5054,7 @@
           <a:p>
             <a:r>
               <a:rPr lang="it-IT" dirty="0"/>
-              <a:t>Wireframes</a:t>
+              <a:t>Estimated Effort</a:t>
             </a:r>
           </a:p>
         </p:txBody>
@@ -5008,7 +5064,7 @@
           <p:cNvPr id="3" name="Content Placeholder 2">
             <a:extLst>
               <a:ext uri="{FF2B5EF4-FFF2-40B4-BE49-F238E27FC236}">
-                <a16:creationId xmlns:a16="http://schemas.microsoft.com/office/drawing/2014/main" id="{A683F7D0-6178-44CC-A3B8-809ADC667CA8}"/>
+                <a16:creationId xmlns:a16="http://schemas.microsoft.com/office/drawing/2014/main" xmlns="" id="{A683F7D0-6178-44CC-A3B8-809ADC667CA8}"/>
               </a:ext>
             </a:extLst>
           </p:cNvPr>
@@ -5029,11 +5085,47 @@
           <a:bodyPr/>
           <a:lstStyle/>
           <a:p>
+            <a:pPr marL="0" indent="0">
+              <a:buNone/>
+            </a:pPr>
+            <a:r>
+              <a:rPr lang="it-IT" dirty="0" smtClean="0"/>
+              <a:t>Goal: fully working website</a:t>
+            </a:r>
+          </a:p>
+          <a:p>
             <a:pPr>
               <a:buFont typeface="Arial" panose="020B0604020202020204" pitchFamily="34" charset="0"/>
               <a:buChar char="•"/>
             </a:pPr>
-            <a:endParaRPr lang="it-IT" dirty="0"/>
+            <a:r>
+              <a:rPr lang="it-IT" dirty="0" smtClean="0"/>
+              <a:t> 1/4 planning</a:t>
+            </a:r>
+          </a:p>
+          <a:p>
+            <a:pPr>
+              <a:buFont typeface="Arial" panose="020B0604020202020204" pitchFamily="34" charset="0"/>
+              <a:buChar char="•"/>
+            </a:pPr>
+            <a:r>
+              <a:rPr lang="it-IT" dirty="0" smtClean="0"/>
+              <a:t> 2/4</a:t>
+            </a:r>
+            <a:r>
+              <a:rPr lang="it-IT" dirty="0" smtClean="0"/>
+              <a:t> implementation ~130h</a:t>
+            </a:r>
+          </a:p>
+          <a:p>
+            <a:pPr>
+              <a:buFont typeface="Arial" panose="020B0604020202020204" pitchFamily="34" charset="0"/>
+              <a:buChar char="•"/>
+            </a:pPr>
+            <a:r>
+              <a:rPr lang="it-IT" dirty="0" smtClean="0"/>
+              <a:t> 1/4 testing &amp; documentation</a:t>
+            </a:r>
           </a:p>
         </p:txBody>
       </p:sp>
@@ -5042,7 +5134,7 @@
           <p:cNvPr id="4" name="Date Placeholder 3">
             <a:extLst>
               <a:ext uri="{FF2B5EF4-FFF2-40B4-BE49-F238E27FC236}">
-                <a16:creationId xmlns:a16="http://schemas.microsoft.com/office/drawing/2014/main" id="{E89CD802-A9B2-44A4-9B05-521831710354}"/>
+                <a16:creationId xmlns:a16="http://schemas.microsoft.com/office/drawing/2014/main" xmlns="" id="{E89CD802-A9B2-44A4-9B05-521831710354}"/>
               </a:ext>
             </a:extLst>
           </p:cNvPr>
@@ -5071,7 +5163,7 @@
           <p:cNvPr id="5" name="Footer Placeholder 4">
             <a:extLst>
               <a:ext uri="{FF2B5EF4-FFF2-40B4-BE49-F238E27FC236}">
-                <a16:creationId xmlns:a16="http://schemas.microsoft.com/office/drawing/2014/main" id="{A2B3A699-F20F-43DD-A646-DF2CFAACD8E2}"/>
+                <a16:creationId xmlns:a16="http://schemas.microsoft.com/office/drawing/2014/main" xmlns="" id="{A2B3A699-F20F-43DD-A646-DF2CFAACD8E2}"/>
               </a:ext>
             </a:extLst>
           </p:cNvPr>
@@ -5100,7 +5192,7 @@
           <p:cNvPr id="6" name="Slide Number Placeholder 5">
             <a:extLst>
               <a:ext uri="{FF2B5EF4-FFF2-40B4-BE49-F238E27FC236}">
-                <a16:creationId xmlns:a16="http://schemas.microsoft.com/office/drawing/2014/main" id="{600BC6BB-F68A-4021-994A-3985D0B8C07C}"/>
+                <a16:creationId xmlns:a16="http://schemas.microsoft.com/office/drawing/2014/main" xmlns="" id="{600BC6BB-F68A-4021-994A-3985D0B8C07C}"/>
               </a:ext>
             </a:extLst>
           </p:cNvPr>
@@ -5127,13 +5219,20 @@
     </p:spTree>
     <p:extLst>
       <p:ext uri="{BB962C8B-B14F-4D97-AF65-F5344CB8AC3E}">
-        <p14:creationId xmlns:p14="http://schemas.microsoft.com/office/powerpoint/2010/main" val="3746950779"/>
+        <p14:creationId xmlns:p14="http://schemas.microsoft.com/office/powerpoint/2010/main" val="3421952654"/>
       </p:ext>
     </p:extLst>
   </p:cSld>
   <p:clrMapOvr>
     <a:masterClrMapping/>
   </p:clrMapOvr>
+  <p:timing>
+    <p:tnLst>
+      <p:par>
+        <p:cTn id="1" dur="indefinite" restart="never" nodeType="tmRoot"/>
+      </p:par>
+    </p:tnLst>
+  </p:timing>
 </p:sld>
 </file>
 
@@ -5159,7 +5258,7 @@
           <p:cNvPr id="2" name="Title 1">
             <a:extLst>
               <a:ext uri="{FF2B5EF4-FFF2-40B4-BE49-F238E27FC236}">
-                <a16:creationId xmlns:a16="http://schemas.microsoft.com/office/drawing/2014/main" id="{E34F0580-A203-4A19-A1EA-D994C7756136}"/>
+                <a16:creationId xmlns:a16="http://schemas.microsoft.com/office/drawing/2014/main" xmlns="" id="{E34F0580-A203-4A19-A1EA-D994C7756136}"/>
               </a:ext>
             </a:extLst>
           </p:cNvPr>
@@ -5176,18 +5275,52 @@
           <a:lstStyle/>
           <a:p>
             <a:r>
-              <a:rPr lang="it-IT" dirty="0"/>
-              <a:t>Estimated Effort</a:t>
-            </a:r>
-          </a:p>
-        </p:txBody>
-      </p:sp>
-      <p:sp>
-        <p:nvSpPr>
-          <p:cNvPr id="3" name="Content Placeholder 2">
+              <a:rPr lang="it-IT" dirty="0" smtClean="0"/>
+              <a:t>Wireframes and </a:t>
+            </a:r>
+            <a:r>
+              <a:rPr lang="it-IT" dirty="0" smtClean="0"/>
+              <a:t>First Look</a:t>
+            </a:r>
+            <a:endParaRPr lang="it-IT" dirty="0"/>
+          </a:p>
+        </p:txBody>
+      </p:sp>
+      <p:pic>
+        <p:nvPicPr>
+          <p:cNvPr id="10" name="Content Placeholder 9"/>
+          <p:cNvPicPr>
+            <a:picLocks noGrp="1" noChangeAspect="1"/>
+          </p:cNvPicPr>
+          <p:nvPr>
+            <p:ph idx="1"/>
+          </p:nvPr>
+        </p:nvPicPr>
+        <p:blipFill>
+          <a:blip r:embed="rId2" cstate="print">
+            <a:extLst>
+              <a:ext uri="{28A0092B-C50C-407E-A947-70E740481C1C}">
+                <a14:useLocalDpi xmlns:a14="http://schemas.microsoft.com/office/drawing/2010/main" val="0"/>
+              </a:ext>
+            </a:extLst>
+          </a:blip>
+          <a:stretch>
+            <a:fillRect/>
+          </a:stretch>
+        </p:blipFill>
+        <p:spPr>
+          <a:xfrm>
+            <a:off x="1527660" y="2001804"/>
+            <a:ext cx="5897684" cy="3885122"/>
+          </a:xfrm>
+        </p:spPr>
+      </p:pic>
+      <p:sp>
+        <p:nvSpPr>
+          <p:cNvPr id="4" name="Date Placeholder 3">
             <a:extLst>
               <a:ext uri="{FF2B5EF4-FFF2-40B4-BE49-F238E27FC236}">
-                <a16:creationId xmlns:a16="http://schemas.microsoft.com/office/drawing/2014/main" id="{A683F7D0-6178-44CC-A3B8-809ADC667CA8}"/>
+                <a16:creationId xmlns:a16="http://schemas.microsoft.com/office/drawing/2014/main" xmlns="" id="{E89CD802-A9B2-44A4-9B05-521831710354}"/>
               </a:ext>
             </a:extLst>
           </p:cNvPr>
@@ -5195,33 +5328,28 @@
             <a:spLocks noGrp="1"/>
           </p:cNvSpPr>
           <p:nvPr>
-            <p:ph idx="1"/>
-          </p:nvPr>
-        </p:nvSpPr>
-        <p:spPr>
-          <a:xfrm>
-            <a:off x="822960" y="2405728"/>
-            <a:ext cx="7543800" cy="3017520"/>
-          </a:xfrm>
-        </p:spPr>
-        <p:txBody>
-          <a:bodyPr/>
-          <a:lstStyle/>
-          <a:p>
-            <a:pPr>
-              <a:buFont typeface="Arial" panose="020B0604020202020204" pitchFamily="34" charset="0"/>
-              <a:buChar char="•"/>
-            </a:pPr>
-            <a:endParaRPr lang="it-IT" dirty="0"/>
-          </a:p>
-        </p:txBody>
-      </p:sp>
-      <p:sp>
-        <p:nvSpPr>
-          <p:cNvPr id="4" name="Date Placeholder 3">
+            <p:ph type="dt" sz="half" idx="10"/>
+          </p:nvPr>
+        </p:nvSpPr>
+        <p:spPr/>
+        <p:txBody>
+          <a:bodyPr/>
+          <a:lstStyle/>
+          <a:p>
+            <a:r>
+              <a:rPr lang="en-US"/>
+              <a:t>A.Y. 2017/18</a:t>
+            </a:r>
+            <a:endParaRPr lang="en-GB" dirty="0"/>
+          </a:p>
+        </p:txBody>
+      </p:sp>
+      <p:sp>
+        <p:nvSpPr>
+          <p:cNvPr id="5" name="Footer Placeholder 4">
             <a:extLst>
               <a:ext uri="{FF2B5EF4-FFF2-40B4-BE49-F238E27FC236}">
-                <a16:creationId xmlns:a16="http://schemas.microsoft.com/office/drawing/2014/main" id="{E89CD802-A9B2-44A4-9B05-521831710354}"/>
+                <a16:creationId xmlns:a16="http://schemas.microsoft.com/office/drawing/2014/main" xmlns="" id="{A2B3A699-F20F-43DD-A646-DF2CFAACD8E2}"/>
               </a:ext>
             </a:extLst>
           </p:cNvPr>
@@ -5229,35 +5357,6 @@
             <a:spLocks noGrp="1"/>
           </p:cNvSpPr>
           <p:nvPr>
-            <p:ph type="dt" sz="half" idx="10"/>
-          </p:nvPr>
-        </p:nvSpPr>
-        <p:spPr/>
-        <p:txBody>
-          <a:bodyPr/>
-          <a:lstStyle/>
-          <a:p>
-            <a:r>
-              <a:rPr lang="en-US"/>
-              <a:t>A.Y. 2017/18</a:t>
-            </a:r>
-            <a:endParaRPr lang="en-GB" dirty="0"/>
-          </a:p>
-        </p:txBody>
-      </p:sp>
-      <p:sp>
-        <p:nvSpPr>
-          <p:cNvPr id="5" name="Footer Placeholder 4">
-            <a:extLst>
-              <a:ext uri="{FF2B5EF4-FFF2-40B4-BE49-F238E27FC236}">
-                <a16:creationId xmlns:a16="http://schemas.microsoft.com/office/drawing/2014/main" id="{A2B3A699-F20F-43DD-A646-DF2CFAACD8E2}"/>
-              </a:ext>
-            </a:extLst>
-          </p:cNvPr>
-          <p:cNvSpPr>
-            <a:spLocks noGrp="1"/>
-          </p:cNvSpPr>
-          <p:nvPr>
             <p:ph type="ftr" sz="quarter" idx="11"/>
           </p:nvPr>
         </p:nvSpPr>
@@ -5279,7 +5378,7 @@
           <p:cNvPr id="6" name="Slide Number Placeholder 5">
             <a:extLst>
               <a:ext uri="{FF2B5EF4-FFF2-40B4-BE49-F238E27FC236}">
-                <a16:creationId xmlns:a16="http://schemas.microsoft.com/office/drawing/2014/main" id="{600BC6BB-F68A-4021-994A-3985D0B8C07C}"/>
+                <a16:creationId xmlns:a16="http://schemas.microsoft.com/office/drawing/2014/main" xmlns="" id="{600BC6BB-F68A-4021-994A-3985D0B8C07C}"/>
               </a:ext>
             </a:extLst>
           </p:cNvPr>
@@ -5306,13 +5405,20 @@
     </p:spTree>
     <p:extLst>
       <p:ext uri="{BB962C8B-B14F-4D97-AF65-F5344CB8AC3E}">
-        <p14:creationId xmlns:p14="http://schemas.microsoft.com/office/powerpoint/2010/main" val="3421952654"/>
+        <p14:creationId xmlns:p14="http://schemas.microsoft.com/office/powerpoint/2010/main" val="1263449010"/>
       </p:ext>
     </p:extLst>
   </p:cSld>
   <p:clrMapOvr>
     <a:masterClrMapping/>
   </p:clrMapOvr>
+  <p:timing>
+    <p:tnLst>
+      <p:par>
+        <p:cTn id="1" dur="indefinite" restart="never" nodeType="tmRoot"/>
+      </p:par>
+    </p:tnLst>
+  </p:timing>
 </p:sld>
 </file>
 
@@ -5338,7 +5444,7 @@
           <p:cNvPr id="2" name="Title 1">
             <a:extLst>
               <a:ext uri="{FF2B5EF4-FFF2-40B4-BE49-F238E27FC236}">
-                <a16:creationId xmlns:a16="http://schemas.microsoft.com/office/drawing/2014/main" id="{E34F0580-A203-4A19-A1EA-D994C7756136}"/>
+                <a16:creationId xmlns:a16="http://schemas.microsoft.com/office/drawing/2014/main" xmlns="" id="{E34F0580-A203-4A19-A1EA-D994C7756136}"/>
               </a:ext>
             </a:extLst>
           </p:cNvPr>
@@ -5356,17 +5462,18 @@
           <a:p>
             <a:r>
               <a:rPr lang="it-IT" dirty="0"/>
-              <a:t>A First Look at Uniscout</a:t>
-            </a:r>
-          </a:p>
-        </p:txBody>
-      </p:sp>
-      <p:sp>
-        <p:nvSpPr>
-          <p:cNvPr id="3" name="Content Placeholder 2">
+              <a:t>Wireframes and First Look</a:t>
+            </a:r>
+            <a:endParaRPr lang="it-IT" dirty="0"/>
+          </a:p>
+        </p:txBody>
+      </p:sp>
+      <p:sp>
+        <p:nvSpPr>
+          <p:cNvPr id="4" name="Date Placeholder 3">
             <a:extLst>
               <a:ext uri="{FF2B5EF4-FFF2-40B4-BE49-F238E27FC236}">
-                <a16:creationId xmlns:a16="http://schemas.microsoft.com/office/drawing/2014/main" id="{A683F7D0-6178-44CC-A3B8-809ADC667CA8}"/>
+                <a16:creationId xmlns:a16="http://schemas.microsoft.com/office/drawing/2014/main" xmlns="" id="{E89CD802-A9B2-44A4-9B05-521831710354}"/>
               </a:ext>
             </a:extLst>
           </p:cNvPr>
@@ -5374,33 +5481,28 @@
             <a:spLocks noGrp="1"/>
           </p:cNvSpPr>
           <p:nvPr>
-            <p:ph idx="1"/>
-          </p:nvPr>
-        </p:nvSpPr>
-        <p:spPr>
-          <a:xfrm>
-            <a:off x="822960" y="2405728"/>
-            <a:ext cx="7543800" cy="3017520"/>
-          </a:xfrm>
-        </p:spPr>
-        <p:txBody>
-          <a:bodyPr/>
-          <a:lstStyle/>
-          <a:p>
-            <a:pPr>
-              <a:buFont typeface="Arial" panose="020B0604020202020204" pitchFamily="34" charset="0"/>
-              <a:buChar char="•"/>
-            </a:pPr>
-            <a:endParaRPr lang="it-IT" dirty="0"/>
-          </a:p>
-        </p:txBody>
-      </p:sp>
-      <p:sp>
-        <p:nvSpPr>
-          <p:cNvPr id="4" name="Date Placeholder 3">
+            <p:ph type="dt" sz="half" idx="10"/>
+          </p:nvPr>
+        </p:nvSpPr>
+        <p:spPr/>
+        <p:txBody>
+          <a:bodyPr/>
+          <a:lstStyle/>
+          <a:p>
+            <a:r>
+              <a:rPr lang="en-US"/>
+              <a:t>A.Y. 2017/18</a:t>
+            </a:r>
+            <a:endParaRPr lang="en-GB" dirty="0"/>
+          </a:p>
+        </p:txBody>
+      </p:sp>
+      <p:sp>
+        <p:nvSpPr>
+          <p:cNvPr id="5" name="Footer Placeholder 4">
             <a:extLst>
               <a:ext uri="{FF2B5EF4-FFF2-40B4-BE49-F238E27FC236}">
-                <a16:creationId xmlns:a16="http://schemas.microsoft.com/office/drawing/2014/main" id="{E89CD802-A9B2-44A4-9B05-521831710354}"/>
+                <a16:creationId xmlns:a16="http://schemas.microsoft.com/office/drawing/2014/main" xmlns="" id="{A2B3A699-F20F-43DD-A646-DF2CFAACD8E2}"/>
               </a:ext>
             </a:extLst>
           </p:cNvPr>
@@ -5408,35 +5510,6 @@
             <a:spLocks noGrp="1"/>
           </p:cNvSpPr>
           <p:nvPr>
-            <p:ph type="dt" sz="half" idx="10"/>
-          </p:nvPr>
-        </p:nvSpPr>
-        <p:spPr/>
-        <p:txBody>
-          <a:bodyPr/>
-          <a:lstStyle/>
-          <a:p>
-            <a:r>
-              <a:rPr lang="en-US"/>
-              <a:t>A.Y. 2017/18</a:t>
-            </a:r>
-            <a:endParaRPr lang="en-GB" dirty="0"/>
-          </a:p>
-        </p:txBody>
-      </p:sp>
-      <p:sp>
-        <p:nvSpPr>
-          <p:cNvPr id="5" name="Footer Placeholder 4">
-            <a:extLst>
-              <a:ext uri="{FF2B5EF4-FFF2-40B4-BE49-F238E27FC236}">
-                <a16:creationId xmlns:a16="http://schemas.microsoft.com/office/drawing/2014/main" id="{A2B3A699-F20F-43DD-A646-DF2CFAACD8E2}"/>
-              </a:ext>
-            </a:extLst>
-          </p:cNvPr>
-          <p:cNvSpPr>
-            <a:spLocks noGrp="1"/>
-          </p:cNvSpPr>
-          <p:nvPr>
             <p:ph type="ftr" sz="quarter" idx="11"/>
           </p:nvPr>
         </p:nvSpPr>
@@ -5458,7 +5531,7 @@
           <p:cNvPr id="6" name="Slide Number Placeholder 5">
             <a:extLst>
               <a:ext uri="{FF2B5EF4-FFF2-40B4-BE49-F238E27FC236}">
-                <a16:creationId xmlns:a16="http://schemas.microsoft.com/office/drawing/2014/main" id="{600BC6BB-F68A-4021-994A-3985D0B8C07C}"/>
+                <a16:creationId xmlns:a16="http://schemas.microsoft.com/office/drawing/2014/main" xmlns="" id="{600BC6BB-F68A-4021-994A-3985D0B8C07C}"/>
               </a:ext>
             </a:extLst>
           </p:cNvPr>
@@ -5482,16 +5555,234 @@
           </a:p>
         </p:txBody>
       </p:sp>
+      <p:pic>
+        <p:nvPicPr>
+          <p:cNvPr id="7" name="Content Placeholder 6"/>
+          <p:cNvPicPr>
+            <a:picLocks noGrp="1" noChangeAspect="1"/>
+          </p:cNvPicPr>
+          <p:nvPr>
+            <p:ph idx="1"/>
+          </p:nvPr>
+        </p:nvPicPr>
+        <p:blipFill>
+          <a:blip r:embed="rId2">
+            <a:extLst>
+              <a:ext uri="{28A0092B-C50C-407E-A947-70E740481C1C}">
+                <a14:useLocalDpi xmlns:a14="http://schemas.microsoft.com/office/drawing/2010/main" val="0"/>
+              </a:ext>
+            </a:extLst>
+          </a:blip>
+          <a:stretch>
+            <a:fillRect/>
+          </a:stretch>
+        </p:blipFill>
+        <p:spPr>
+          <a:xfrm>
+            <a:off x="1294028" y="1846263"/>
+            <a:ext cx="6600393" cy="4022725"/>
+          </a:xfrm>
+        </p:spPr>
+      </p:pic>
     </p:spTree>
     <p:extLst>
       <p:ext uri="{BB962C8B-B14F-4D97-AF65-F5344CB8AC3E}">
-        <p14:creationId xmlns:p14="http://schemas.microsoft.com/office/powerpoint/2010/main" val="1263449010"/>
+        <p14:creationId xmlns:p14="http://schemas.microsoft.com/office/powerpoint/2010/main" val="799240206"/>
       </p:ext>
     </p:extLst>
   </p:cSld>
   <p:clrMapOvr>
     <a:masterClrMapping/>
   </p:clrMapOvr>
+  <p:timing>
+    <p:tnLst>
+      <p:par>
+        <p:cTn id="1" dur="indefinite" restart="never" nodeType="tmRoot"/>
+      </p:par>
+    </p:tnLst>
+  </p:timing>
+</p:sld>
+</file>
+
+<file path=ppt/slides/slide7.xml><?xml version="1.0" encoding="utf-8"?>
+<p:sld xmlns:a="http://schemas.openxmlformats.org/drawingml/2006/main" xmlns:r="http://schemas.openxmlformats.org/officeDocument/2006/relationships" xmlns:p="http://schemas.openxmlformats.org/presentationml/2006/main">
+  <p:cSld>
+    <p:spTree>
+      <p:nvGrpSpPr>
+        <p:cNvPr id="1" name=""/>
+        <p:cNvGrpSpPr/>
+        <p:nvPr/>
+      </p:nvGrpSpPr>
+      <p:grpSpPr>
+        <a:xfrm>
+          <a:off x="0" y="0"/>
+          <a:ext cx="0" cy="0"/>
+          <a:chOff x="0" y="0"/>
+          <a:chExt cx="0" cy="0"/>
+        </a:xfrm>
+      </p:grpSpPr>
+      <p:sp>
+        <p:nvSpPr>
+          <p:cNvPr id="2" name="Title 1">
+            <a:extLst>
+              <a:ext uri="{FF2B5EF4-FFF2-40B4-BE49-F238E27FC236}">
+                <a16:creationId xmlns:a16="http://schemas.microsoft.com/office/drawing/2014/main" xmlns="" id="{E34F0580-A203-4A19-A1EA-D994C7756136}"/>
+              </a:ext>
+            </a:extLst>
+          </p:cNvPr>
+          <p:cNvSpPr>
+            <a:spLocks noGrp="1"/>
+          </p:cNvSpPr>
+          <p:nvPr>
+            <p:ph type="title"/>
+          </p:nvPr>
+        </p:nvSpPr>
+        <p:spPr/>
+        <p:txBody>
+          <a:bodyPr/>
+          <a:lstStyle/>
+          <a:p>
+            <a:r>
+              <a:rPr lang="it-IT" dirty="0"/>
+              <a:t>Wireframes and First Look</a:t>
+            </a:r>
+            <a:endParaRPr lang="it-IT" dirty="0"/>
+          </a:p>
+        </p:txBody>
+      </p:sp>
+      <p:sp>
+        <p:nvSpPr>
+          <p:cNvPr id="4" name="Date Placeholder 3">
+            <a:extLst>
+              <a:ext uri="{FF2B5EF4-FFF2-40B4-BE49-F238E27FC236}">
+                <a16:creationId xmlns:a16="http://schemas.microsoft.com/office/drawing/2014/main" xmlns="" id="{E89CD802-A9B2-44A4-9B05-521831710354}"/>
+              </a:ext>
+            </a:extLst>
+          </p:cNvPr>
+          <p:cNvSpPr>
+            <a:spLocks noGrp="1"/>
+          </p:cNvSpPr>
+          <p:nvPr>
+            <p:ph type="dt" sz="half" idx="10"/>
+          </p:nvPr>
+        </p:nvSpPr>
+        <p:spPr/>
+        <p:txBody>
+          <a:bodyPr/>
+          <a:lstStyle/>
+          <a:p>
+            <a:r>
+              <a:rPr lang="en-US"/>
+              <a:t>A.Y. 2017/18</a:t>
+            </a:r>
+            <a:endParaRPr lang="en-GB" dirty="0"/>
+          </a:p>
+        </p:txBody>
+      </p:sp>
+      <p:sp>
+        <p:nvSpPr>
+          <p:cNvPr id="5" name="Footer Placeholder 4">
+            <a:extLst>
+              <a:ext uri="{FF2B5EF4-FFF2-40B4-BE49-F238E27FC236}">
+                <a16:creationId xmlns:a16="http://schemas.microsoft.com/office/drawing/2014/main" xmlns="" id="{A2B3A699-F20F-43DD-A646-DF2CFAACD8E2}"/>
+              </a:ext>
+            </a:extLst>
+          </p:cNvPr>
+          <p:cNvSpPr>
+            <a:spLocks noGrp="1"/>
+          </p:cNvSpPr>
+          <p:nvPr>
+            <p:ph type="ftr" sz="quarter" idx="11"/>
+          </p:nvPr>
+        </p:nvSpPr>
+        <p:spPr/>
+        <p:txBody>
+          <a:bodyPr/>
+          <a:lstStyle/>
+          <a:p>
+            <a:r>
+              <a:rPr lang="it-IT"/>
+              <a:t>IMS – A6</a:t>
+            </a:r>
+            <a:endParaRPr lang="en-GB" dirty="0"/>
+          </a:p>
+        </p:txBody>
+      </p:sp>
+      <p:sp>
+        <p:nvSpPr>
+          <p:cNvPr id="6" name="Slide Number Placeholder 5">
+            <a:extLst>
+              <a:ext uri="{FF2B5EF4-FFF2-40B4-BE49-F238E27FC236}">
+                <a16:creationId xmlns:a16="http://schemas.microsoft.com/office/drawing/2014/main" xmlns="" id="{600BC6BB-F68A-4021-994A-3985D0B8C07C}"/>
+              </a:ext>
+            </a:extLst>
+          </p:cNvPr>
+          <p:cNvSpPr>
+            <a:spLocks noGrp="1"/>
+          </p:cNvSpPr>
+          <p:nvPr>
+            <p:ph type="sldNum" sz="quarter" idx="12"/>
+          </p:nvPr>
+        </p:nvSpPr>
+        <p:spPr/>
+        <p:txBody>
+          <a:bodyPr/>
+          <a:lstStyle/>
+          <a:p>
+            <a:fld id="{E63C5663-C309-400D-BD5F-8327758EFEBB}" type="slidenum">
+              <a:rPr lang="en-GB" smtClean="0"/>
+              <a:t>7</a:t>
+            </a:fld>
+            <a:endParaRPr lang="en-GB" dirty="0"/>
+          </a:p>
+        </p:txBody>
+      </p:sp>
+      <p:pic>
+        <p:nvPicPr>
+          <p:cNvPr id="9" name="Content Placeholder 8"/>
+          <p:cNvPicPr>
+            <a:picLocks noGrp="1" noChangeAspect="1"/>
+          </p:cNvPicPr>
+          <p:nvPr>
+            <p:ph idx="1"/>
+          </p:nvPr>
+        </p:nvPicPr>
+        <p:blipFill>
+          <a:blip r:embed="rId2">
+            <a:extLst>
+              <a:ext uri="{28A0092B-C50C-407E-A947-70E740481C1C}">
+                <a14:useLocalDpi xmlns:a14="http://schemas.microsoft.com/office/drawing/2010/main" val="0"/>
+              </a:ext>
+            </a:extLst>
+          </a:blip>
+          <a:stretch>
+            <a:fillRect/>
+          </a:stretch>
+        </p:blipFill>
+        <p:spPr>
+          <a:xfrm>
+            <a:off x="822325" y="2022872"/>
+            <a:ext cx="7543800" cy="3669507"/>
+          </a:xfrm>
+        </p:spPr>
+      </p:pic>
+    </p:spTree>
+    <p:extLst>
+      <p:ext uri="{BB962C8B-B14F-4D97-AF65-F5344CB8AC3E}">
+        <p14:creationId xmlns:p14="http://schemas.microsoft.com/office/powerpoint/2010/main" val="2188423710"/>
+      </p:ext>
+    </p:extLst>
+  </p:cSld>
+  <p:clrMapOvr>
+    <a:masterClrMapping/>
+  </p:clrMapOvr>
+  <p:timing>
+    <p:tnLst>
+      <p:par>
+        <p:cTn id="1" dur="indefinite" restart="never" nodeType="tmRoot"/>
+      </p:par>
+    </p:tnLst>
+  </p:timing>
 </p:sld>
 </file>
 

--- a/Presentations/2. Intermediate presentation/IMS_A_6_Intermediate_Presentation.pptx
+++ b/Presentations/2. Intermediate presentation/IMS_A_6_Intermediate_Presentation.pptx
@@ -5,10 +5,10 @@
     <p:sldMasterId id="2147483732" r:id="rId1"/>
   </p:sldMasterIdLst>
   <p:notesMasterIdLst>
-    <p:notesMasterId r:id="rId9"/>
+    <p:notesMasterId r:id="rId10"/>
   </p:notesMasterIdLst>
   <p:handoutMasterIdLst>
-    <p:handoutMasterId r:id="rId10"/>
+    <p:handoutMasterId r:id="rId11"/>
   </p:handoutMasterIdLst>
   <p:sldIdLst>
     <p:sldId id="256" r:id="rId2"/>
@@ -18,6 +18,7 @@
     <p:sldId id="262" r:id="rId6"/>
     <p:sldId id="263" r:id="rId7"/>
     <p:sldId id="264" r:id="rId8"/>
+    <p:sldId id="266" r:id="rId9"/>
   </p:sldIdLst>
   <p:sldSz cx="9144000" cy="6858000" type="screen4x3"/>
   <p:notesSz cx="6858000" cy="9144000"/>
@@ -158,7 +159,7 @@
           <p:cNvPr id="2" name="Header Placeholder 1">
             <a:extLst>
               <a:ext uri="{FF2B5EF4-FFF2-40B4-BE49-F238E27FC236}">
-                <a16:creationId xmlns:a16="http://schemas.microsoft.com/office/drawing/2014/main" xmlns="" id="{5DCE3299-BD85-4043-B7FE-74DF3BA199DB}"/>
+                <a16:creationId xmlns:a16="http://schemas.microsoft.com/office/drawing/2014/main" id="{5DCE3299-BD85-4043-B7FE-74DF3BA199DB}"/>
               </a:ext>
             </a:extLst>
           </p:cNvPr>
@@ -195,7 +196,7 @@
           <p:cNvPr id="3" name="Date Placeholder 2">
             <a:extLst>
               <a:ext uri="{FF2B5EF4-FFF2-40B4-BE49-F238E27FC236}">
-                <a16:creationId xmlns:a16="http://schemas.microsoft.com/office/drawing/2014/main" xmlns="" id="{610E86E5-F4D4-46F3-8A0A-AE218C082BC9}"/>
+                <a16:creationId xmlns:a16="http://schemas.microsoft.com/office/drawing/2014/main" id="{610E86E5-F4D4-46F3-8A0A-AE218C082BC9}"/>
               </a:ext>
             </a:extLst>
           </p:cNvPr>
@@ -236,7 +237,7 @@
           <p:cNvPr id="4" name="Footer Placeholder 3">
             <a:extLst>
               <a:ext uri="{FF2B5EF4-FFF2-40B4-BE49-F238E27FC236}">
-                <a16:creationId xmlns:a16="http://schemas.microsoft.com/office/drawing/2014/main" xmlns="" id="{1A2E9D3B-CD4B-4D44-8FAA-A4D69584EFA0}"/>
+                <a16:creationId xmlns:a16="http://schemas.microsoft.com/office/drawing/2014/main" id="{1A2E9D3B-CD4B-4D44-8FAA-A4D69584EFA0}"/>
               </a:ext>
             </a:extLst>
           </p:cNvPr>
@@ -273,7 +274,7 @@
           <p:cNvPr id="5" name="Slide Number Placeholder 4">
             <a:extLst>
               <a:ext uri="{FF2B5EF4-FFF2-40B4-BE49-F238E27FC236}">
-                <a16:creationId xmlns:a16="http://schemas.microsoft.com/office/drawing/2014/main" xmlns="" id="{374B4354-1FF3-456D-B9A4-2A30AF222922}"/>
+                <a16:creationId xmlns:a16="http://schemas.microsoft.com/office/drawing/2014/main" id="{374B4354-1FF3-456D-B9A4-2A30AF222922}"/>
               </a:ext>
             </a:extLst>
           </p:cNvPr>
@@ -4423,7 +4424,7 @@
           <p:cNvPr id="2" name="Title 1">
             <a:extLst>
               <a:ext uri="{FF2B5EF4-FFF2-40B4-BE49-F238E27FC236}">
-                <a16:creationId xmlns:a16="http://schemas.microsoft.com/office/drawing/2014/main" xmlns="" id="{FB6883A6-8FC3-4BE1-BB43-A5E0FBE8E04E}"/>
+                <a16:creationId xmlns:a16="http://schemas.microsoft.com/office/drawing/2014/main" id="{FB6883A6-8FC3-4BE1-BB43-A5E0FBE8E04E}"/>
               </a:ext>
             </a:extLst>
           </p:cNvPr>
@@ -4458,7 +4459,7 @@
           <p:cNvPr id="3" name="Subtitle 2">
             <a:extLst>
               <a:ext uri="{FF2B5EF4-FFF2-40B4-BE49-F238E27FC236}">
-                <a16:creationId xmlns:a16="http://schemas.microsoft.com/office/drawing/2014/main" xmlns="" id="{CBCAA603-FC05-4E4B-AD75-940697CD8B7E}"/>
+                <a16:creationId xmlns:a16="http://schemas.microsoft.com/office/drawing/2014/main" id="{CBCAA603-FC05-4E4B-AD75-940697CD8B7E}"/>
               </a:ext>
             </a:extLst>
           </p:cNvPr>
@@ -4495,7 +4496,7 @@
           <p:cNvPr id="4" name="Date Placeholder 3">
             <a:extLst>
               <a:ext uri="{FF2B5EF4-FFF2-40B4-BE49-F238E27FC236}">
-                <a16:creationId xmlns:a16="http://schemas.microsoft.com/office/drawing/2014/main" xmlns="" id="{6A452B27-506E-486A-88DD-25DB601BB4CA}"/>
+                <a16:creationId xmlns:a16="http://schemas.microsoft.com/office/drawing/2014/main" id="{6A452B27-506E-486A-88DD-25DB601BB4CA}"/>
               </a:ext>
             </a:extLst>
           </p:cNvPr>
@@ -4529,7 +4530,7 @@
           <p:cNvPr id="5" name="Footer Placeholder 4">
             <a:extLst>
               <a:ext uri="{FF2B5EF4-FFF2-40B4-BE49-F238E27FC236}">
-                <a16:creationId xmlns:a16="http://schemas.microsoft.com/office/drawing/2014/main" xmlns="" id="{157B7025-7245-4F8A-A2D3-CA8DC9051100}"/>
+                <a16:creationId xmlns:a16="http://schemas.microsoft.com/office/drawing/2014/main" id="{157B7025-7245-4F8A-A2D3-CA8DC9051100}"/>
               </a:ext>
             </a:extLst>
           </p:cNvPr>
@@ -4567,13 +4568,6 @@
   <p:clrMapOvr>
     <a:masterClrMapping/>
   </p:clrMapOvr>
-  <p:timing>
-    <p:tnLst>
-      <p:par>
-        <p:cTn id="1" dur="indefinite" restart="never" nodeType="tmRoot"/>
-      </p:par>
-    </p:tnLst>
-  </p:timing>
 </p:sld>
 </file>
 
@@ -4599,7 +4593,7 @@
           <p:cNvPr id="2" name="Title 1">
             <a:extLst>
               <a:ext uri="{FF2B5EF4-FFF2-40B4-BE49-F238E27FC236}">
-                <a16:creationId xmlns:a16="http://schemas.microsoft.com/office/drawing/2014/main" xmlns="" id="{E34F0580-A203-4A19-A1EA-D994C7756136}"/>
+                <a16:creationId xmlns:a16="http://schemas.microsoft.com/office/drawing/2014/main" id="{E34F0580-A203-4A19-A1EA-D994C7756136}"/>
               </a:ext>
             </a:extLst>
           </p:cNvPr>
@@ -4627,7 +4621,7 @@
           <p:cNvPr id="3" name="Content Placeholder 2">
             <a:extLst>
               <a:ext uri="{FF2B5EF4-FFF2-40B4-BE49-F238E27FC236}">
-                <a16:creationId xmlns:a16="http://schemas.microsoft.com/office/drawing/2014/main" xmlns="" id="{A683F7D0-6178-44CC-A3B8-809ADC667CA8}"/>
+                <a16:creationId xmlns:a16="http://schemas.microsoft.com/office/drawing/2014/main" id="{A683F7D0-6178-44CC-A3B8-809ADC667CA8}"/>
               </a:ext>
             </a:extLst>
           </p:cNvPr>
@@ -4654,11 +4648,7 @@
             </a:pPr>
             <a:r>
               <a:rPr lang="it-IT" dirty="0"/>
-              <a:t> </a:t>
-            </a:r>
-            <a:r>
-              <a:rPr lang="it-IT" dirty="0" smtClean="0"/>
-              <a:t>Bootstrap</a:t>
+              <a:t> Bootstrap</a:t>
             </a:r>
           </a:p>
           <a:p>
@@ -4667,7 +4657,7 @@
               <a:buChar char="•"/>
             </a:pPr>
             <a:r>
-              <a:rPr lang="it-IT" dirty="0" smtClean="0"/>
+              <a:rPr lang="it-IT" dirty="0"/>
               <a:t>HTML</a:t>
             </a:r>
           </a:p>
@@ -4677,7 +4667,7 @@
               <a:buChar char="•"/>
             </a:pPr>
             <a:r>
-              <a:rPr lang="it-IT" dirty="0" smtClean="0"/>
+              <a:rPr lang="it-IT" dirty="0"/>
               <a:t>CSS</a:t>
             </a:r>
           </a:p>
@@ -4687,10 +4677,9 @@
               <a:buChar char="•"/>
             </a:pPr>
             <a:r>
-              <a:rPr lang="it-IT" dirty="0" smtClean="0"/>
+              <a:rPr lang="it-IT" dirty="0"/>
               <a:t>Javascript</a:t>
             </a:r>
-            <a:endParaRPr lang="it-IT" dirty="0"/>
           </a:p>
           <a:p>
             <a:pPr>
@@ -4699,13 +4688,8 @@
             </a:pPr>
             <a:r>
               <a:rPr lang="it-IT" dirty="0"/>
-              <a:t> </a:t>
-            </a:r>
-            <a:r>
-              <a:rPr lang="it-IT" dirty="0" smtClean="0"/>
-              <a:t>PHP</a:t>
-            </a:r>
-            <a:endParaRPr lang="it-IT" dirty="0"/>
+              <a:t> PHP</a:t>
+            </a:r>
           </a:p>
           <a:p>
             <a:pPr>
@@ -4731,7 +4715,7 @@
           <p:cNvPr id="4" name="Date Placeholder 3">
             <a:extLst>
               <a:ext uri="{FF2B5EF4-FFF2-40B4-BE49-F238E27FC236}">
-                <a16:creationId xmlns:a16="http://schemas.microsoft.com/office/drawing/2014/main" xmlns="" id="{E89CD802-A9B2-44A4-9B05-521831710354}"/>
+                <a16:creationId xmlns:a16="http://schemas.microsoft.com/office/drawing/2014/main" id="{E89CD802-A9B2-44A4-9B05-521831710354}"/>
               </a:ext>
             </a:extLst>
           </p:cNvPr>
@@ -4760,7 +4744,7 @@
           <p:cNvPr id="5" name="Footer Placeholder 4">
             <a:extLst>
               <a:ext uri="{FF2B5EF4-FFF2-40B4-BE49-F238E27FC236}">
-                <a16:creationId xmlns:a16="http://schemas.microsoft.com/office/drawing/2014/main" xmlns="" id="{A2B3A699-F20F-43DD-A646-DF2CFAACD8E2}"/>
+                <a16:creationId xmlns:a16="http://schemas.microsoft.com/office/drawing/2014/main" id="{A2B3A699-F20F-43DD-A646-DF2CFAACD8E2}"/>
               </a:ext>
             </a:extLst>
           </p:cNvPr>
@@ -4789,7 +4773,7 @@
           <p:cNvPr id="6" name="Slide Number Placeholder 5">
             <a:extLst>
               <a:ext uri="{FF2B5EF4-FFF2-40B4-BE49-F238E27FC236}">
-                <a16:creationId xmlns:a16="http://schemas.microsoft.com/office/drawing/2014/main" xmlns="" id="{600BC6BB-F68A-4021-994A-3985D0B8C07C}"/>
+                <a16:creationId xmlns:a16="http://schemas.microsoft.com/office/drawing/2014/main" id="{600BC6BB-F68A-4021-994A-3985D0B8C07C}"/>
               </a:ext>
             </a:extLst>
           </p:cNvPr>
@@ -4823,13 +4807,6 @@
   <p:clrMapOvr>
     <a:masterClrMapping/>
   </p:clrMapOvr>
-  <p:timing>
-    <p:tnLst>
-      <p:par>
-        <p:cTn id="1" dur="indefinite" restart="never" nodeType="tmRoot"/>
-      </p:par>
-    </p:tnLst>
-  </p:timing>
 </p:sld>
 </file>
 
@@ -4855,7 +4832,7 @@
           <p:cNvPr id="2" name="Title 1">
             <a:extLst>
               <a:ext uri="{FF2B5EF4-FFF2-40B4-BE49-F238E27FC236}">
-                <a16:creationId xmlns:a16="http://schemas.microsoft.com/office/drawing/2014/main" xmlns="" id="{E34F0580-A203-4A19-A1EA-D994C7756136}"/>
+                <a16:creationId xmlns:a16="http://schemas.microsoft.com/office/drawing/2014/main" id="{E34F0580-A203-4A19-A1EA-D994C7756136}"/>
               </a:ext>
             </a:extLst>
           </p:cNvPr>
@@ -4883,7 +4860,7 @@
           <p:cNvPr id="4" name="Date Placeholder 3">
             <a:extLst>
               <a:ext uri="{FF2B5EF4-FFF2-40B4-BE49-F238E27FC236}">
-                <a16:creationId xmlns:a16="http://schemas.microsoft.com/office/drawing/2014/main" xmlns="" id="{E89CD802-A9B2-44A4-9B05-521831710354}"/>
+                <a16:creationId xmlns:a16="http://schemas.microsoft.com/office/drawing/2014/main" id="{E89CD802-A9B2-44A4-9B05-521831710354}"/>
               </a:ext>
             </a:extLst>
           </p:cNvPr>
@@ -4912,7 +4889,7 @@
           <p:cNvPr id="5" name="Footer Placeholder 4">
             <a:extLst>
               <a:ext uri="{FF2B5EF4-FFF2-40B4-BE49-F238E27FC236}">
-                <a16:creationId xmlns:a16="http://schemas.microsoft.com/office/drawing/2014/main" xmlns="" id="{A2B3A699-F20F-43DD-A646-DF2CFAACD8E2}"/>
+                <a16:creationId xmlns:a16="http://schemas.microsoft.com/office/drawing/2014/main" id="{A2B3A699-F20F-43DD-A646-DF2CFAACD8E2}"/>
               </a:ext>
             </a:extLst>
           </p:cNvPr>
@@ -4941,7 +4918,7 @@
           <p:cNvPr id="6" name="Slide Number Placeholder 5">
             <a:extLst>
               <a:ext uri="{FF2B5EF4-FFF2-40B4-BE49-F238E27FC236}">
-                <a16:creationId xmlns:a16="http://schemas.microsoft.com/office/drawing/2014/main" xmlns="" id="{600BC6BB-F68A-4021-994A-3985D0B8C07C}"/>
+                <a16:creationId xmlns:a16="http://schemas.microsoft.com/office/drawing/2014/main" id="{600BC6BB-F68A-4021-994A-3985D0B8C07C}"/>
               </a:ext>
             </a:extLst>
           </p:cNvPr>
@@ -5004,13 +4981,6 @@
   <p:clrMapOvr>
     <a:masterClrMapping/>
   </p:clrMapOvr>
-  <p:timing>
-    <p:tnLst>
-      <p:par>
-        <p:cTn id="1" dur="indefinite" restart="never" nodeType="tmRoot"/>
-      </p:par>
-    </p:tnLst>
-  </p:timing>
 </p:sld>
 </file>
 
@@ -5036,7 +5006,7 @@
           <p:cNvPr id="2" name="Title 1">
             <a:extLst>
               <a:ext uri="{FF2B5EF4-FFF2-40B4-BE49-F238E27FC236}">
-                <a16:creationId xmlns:a16="http://schemas.microsoft.com/office/drawing/2014/main" xmlns="" id="{E34F0580-A203-4A19-A1EA-D994C7756136}"/>
+                <a16:creationId xmlns:a16="http://schemas.microsoft.com/office/drawing/2014/main" id="{E34F0580-A203-4A19-A1EA-D994C7756136}"/>
               </a:ext>
             </a:extLst>
           </p:cNvPr>
@@ -5064,7 +5034,7 @@
           <p:cNvPr id="3" name="Content Placeholder 2">
             <a:extLst>
               <a:ext uri="{FF2B5EF4-FFF2-40B4-BE49-F238E27FC236}">
-                <a16:creationId xmlns:a16="http://schemas.microsoft.com/office/drawing/2014/main" xmlns="" id="{A683F7D0-6178-44CC-A3B8-809ADC667CA8}"/>
+                <a16:creationId xmlns:a16="http://schemas.microsoft.com/office/drawing/2014/main" id="{A683F7D0-6178-44CC-A3B8-809ADC667CA8}"/>
               </a:ext>
             </a:extLst>
           </p:cNvPr>
@@ -5089,7 +5059,7 @@
               <a:buNone/>
             </a:pPr>
             <a:r>
-              <a:rPr lang="it-IT" dirty="0" smtClean="0"/>
+              <a:rPr lang="it-IT" dirty="0"/>
               <a:t>Goal: fully working website</a:t>
             </a:r>
           </a:p>
@@ -5099,7 +5069,7 @@
               <a:buChar char="•"/>
             </a:pPr>
             <a:r>
-              <a:rPr lang="it-IT" dirty="0" smtClean="0"/>
+              <a:rPr lang="it-IT" dirty="0"/>
               <a:t> 1/4 planning</a:t>
             </a:r>
           </a:p>
@@ -5109,12 +5079,8 @@
               <a:buChar char="•"/>
             </a:pPr>
             <a:r>
-              <a:rPr lang="it-IT" dirty="0" smtClean="0"/>
-              <a:t> 2/4</a:t>
-            </a:r>
-            <a:r>
-              <a:rPr lang="it-IT" dirty="0" smtClean="0"/>
-              <a:t> implementation ~130h</a:t>
+              <a:rPr lang="it-IT" dirty="0"/>
+              <a:t> 2/4 implementation ~130h</a:t>
             </a:r>
           </a:p>
           <a:p>
@@ -5123,7 +5089,7 @@
               <a:buChar char="•"/>
             </a:pPr>
             <a:r>
-              <a:rPr lang="it-IT" dirty="0" smtClean="0"/>
+              <a:rPr lang="it-IT" dirty="0"/>
               <a:t> 1/4 testing &amp; documentation</a:t>
             </a:r>
           </a:p>
@@ -5134,7 +5100,7 @@
           <p:cNvPr id="4" name="Date Placeholder 3">
             <a:extLst>
               <a:ext uri="{FF2B5EF4-FFF2-40B4-BE49-F238E27FC236}">
-                <a16:creationId xmlns:a16="http://schemas.microsoft.com/office/drawing/2014/main" xmlns="" id="{E89CD802-A9B2-44A4-9B05-521831710354}"/>
+                <a16:creationId xmlns:a16="http://schemas.microsoft.com/office/drawing/2014/main" id="{E89CD802-A9B2-44A4-9B05-521831710354}"/>
               </a:ext>
             </a:extLst>
           </p:cNvPr>
@@ -5163,7 +5129,7 @@
           <p:cNvPr id="5" name="Footer Placeholder 4">
             <a:extLst>
               <a:ext uri="{FF2B5EF4-FFF2-40B4-BE49-F238E27FC236}">
-                <a16:creationId xmlns:a16="http://schemas.microsoft.com/office/drawing/2014/main" xmlns="" id="{A2B3A699-F20F-43DD-A646-DF2CFAACD8E2}"/>
+                <a16:creationId xmlns:a16="http://schemas.microsoft.com/office/drawing/2014/main" id="{A2B3A699-F20F-43DD-A646-DF2CFAACD8E2}"/>
               </a:ext>
             </a:extLst>
           </p:cNvPr>
@@ -5192,7 +5158,7 @@
           <p:cNvPr id="6" name="Slide Number Placeholder 5">
             <a:extLst>
               <a:ext uri="{FF2B5EF4-FFF2-40B4-BE49-F238E27FC236}">
-                <a16:creationId xmlns:a16="http://schemas.microsoft.com/office/drawing/2014/main" xmlns="" id="{600BC6BB-F68A-4021-994A-3985D0B8C07C}"/>
+                <a16:creationId xmlns:a16="http://schemas.microsoft.com/office/drawing/2014/main" id="{600BC6BB-F68A-4021-994A-3985D0B8C07C}"/>
               </a:ext>
             </a:extLst>
           </p:cNvPr>
@@ -5226,13 +5192,6 @@
   <p:clrMapOvr>
     <a:masterClrMapping/>
   </p:clrMapOvr>
-  <p:timing>
-    <p:tnLst>
-      <p:par>
-        <p:cTn id="1" dur="indefinite" restart="never" nodeType="tmRoot"/>
-      </p:par>
-    </p:tnLst>
-  </p:timing>
 </p:sld>
 </file>
 
@@ -5258,7 +5217,7 @@
           <p:cNvPr id="2" name="Title 1">
             <a:extLst>
               <a:ext uri="{FF2B5EF4-FFF2-40B4-BE49-F238E27FC236}">
-                <a16:creationId xmlns:a16="http://schemas.microsoft.com/office/drawing/2014/main" xmlns="" id="{E34F0580-A203-4A19-A1EA-D994C7756136}"/>
+                <a16:creationId xmlns:a16="http://schemas.microsoft.com/office/drawing/2014/main" id="{E34F0580-A203-4A19-A1EA-D994C7756136}"/>
               </a:ext>
             </a:extLst>
           </p:cNvPr>
@@ -5275,14 +5234,9 @@
           <a:lstStyle/>
           <a:p>
             <a:r>
-              <a:rPr lang="it-IT" dirty="0" smtClean="0"/>
-              <a:t>Wireframes and </a:t>
-            </a:r>
-            <a:r>
-              <a:rPr lang="it-IT" dirty="0" smtClean="0"/>
-              <a:t>First Look</a:t>
-            </a:r>
-            <a:endParaRPr lang="it-IT" dirty="0"/>
+              <a:rPr lang="it-IT" dirty="0"/>
+              <a:t>Wireframes and First Look</a:t>
+            </a:r>
           </a:p>
         </p:txBody>
       </p:sp>
@@ -5320,7 +5274,7 @@
           <p:cNvPr id="4" name="Date Placeholder 3">
             <a:extLst>
               <a:ext uri="{FF2B5EF4-FFF2-40B4-BE49-F238E27FC236}">
-                <a16:creationId xmlns:a16="http://schemas.microsoft.com/office/drawing/2014/main" xmlns="" id="{E89CD802-A9B2-44A4-9B05-521831710354}"/>
+                <a16:creationId xmlns:a16="http://schemas.microsoft.com/office/drawing/2014/main" id="{E89CD802-A9B2-44A4-9B05-521831710354}"/>
               </a:ext>
             </a:extLst>
           </p:cNvPr>
@@ -5349,7 +5303,7 @@
           <p:cNvPr id="5" name="Footer Placeholder 4">
             <a:extLst>
               <a:ext uri="{FF2B5EF4-FFF2-40B4-BE49-F238E27FC236}">
-                <a16:creationId xmlns:a16="http://schemas.microsoft.com/office/drawing/2014/main" xmlns="" id="{A2B3A699-F20F-43DD-A646-DF2CFAACD8E2}"/>
+                <a16:creationId xmlns:a16="http://schemas.microsoft.com/office/drawing/2014/main" id="{A2B3A699-F20F-43DD-A646-DF2CFAACD8E2}"/>
               </a:ext>
             </a:extLst>
           </p:cNvPr>
@@ -5378,7 +5332,7 @@
           <p:cNvPr id="6" name="Slide Number Placeholder 5">
             <a:extLst>
               <a:ext uri="{FF2B5EF4-FFF2-40B4-BE49-F238E27FC236}">
-                <a16:creationId xmlns:a16="http://schemas.microsoft.com/office/drawing/2014/main" xmlns="" id="{600BC6BB-F68A-4021-994A-3985D0B8C07C}"/>
+                <a16:creationId xmlns:a16="http://schemas.microsoft.com/office/drawing/2014/main" id="{600BC6BB-F68A-4021-994A-3985D0B8C07C}"/>
               </a:ext>
             </a:extLst>
           </p:cNvPr>
@@ -5412,13 +5366,6 @@
   <p:clrMapOvr>
     <a:masterClrMapping/>
   </p:clrMapOvr>
-  <p:timing>
-    <p:tnLst>
-      <p:par>
-        <p:cTn id="1" dur="indefinite" restart="never" nodeType="tmRoot"/>
-      </p:par>
-    </p:tnLst>
-  </p:timing>
 </p:sld>
 </file>
 
@@ -5444,7 +5391,7 @@
           <p:cNvPr id="2" name="Title 1">
             <a:extLst>
               <a:ext uri="{FF2B5EF4-FFF2-40B4-BE49-F238E27FC236}">
-                <a16:creationId xmlns:a16="http://schemas.microsoft.com/office/drawing/2014/main" xmlns="" id="{E34F0580-A203-4A19-A1EA-D994C7756136}"/>
+                <a16:creationId xmlns:a16="http://schemas.microsoft.com/office/drawing/2014/main" id="{E34F0580-A203-4A19-A1EA-D994C7756136}"/>
               </a:ext>
             </a:extLst>
           </p:cNvPr>
@@ -5464,7 +5411,6 @@
               <a:rPr lang="it-IT" dirty="0"/>
               <a:t>Wireframes and First Look</a:t>
             </a:r>
-            <a:endParaRPr lang="it-IT" dirty="0"/>
           </a:p>
         </p:txBody>
       </p:sp>
@@ -5473,7 +5419,7 @@
           <p:cNvPr id="4" name="Date Placeholder 3">
             <a:extLst>
               <a:ext uri="{FF2B5EF4-FFF2-40B4-BE49-F238E27FC236}">
-                <a16:creationId xmlns:a16="http://schemas.microsoft.com/office/drawing/2014/main" xmlns="" id="{E89CD802-A9B2-44A4-9B05-521831710354}"/>
+                <a16:creationId xmlns:a16="http://schemas.microsoft.com/office/drawing/2014/main" id="{E89CD802-A9B2-44A4-9B05-521831710354}"/>
               </a:ext>
             </a:extLst>
           </p:cNvPr>
@@ -5502,7 +5448,7 @@
           <p:cNvPr id="5" name="Footer Placeholder 4">
             <a:extLst>
               <a:ext uri="{FF2B5EF4-FFF2-40B4-BE49-F238E27FC236}">
-                <a16:creationId xmlns:a16="http://schemas.microsoft.com/office/drawing/2014/main" xmlns="" id="{A2B3A699-F20F-43DD-A646-DF2CFAACD8E2}"/>
+                <a16:creationId xmlns:a16="http://schemas.microsoft.com/office/drawing/2014/main" id="{A2B3A699-F20F-43DD-A646-DF2CFAACD8E2}"/>
               </a:ext>
             </a:extLst>
           </p:cNvPr>
@@ -5531,7 +5477,7 @@
           <p:cNvPr id="6" name="Slide Number Placeholder 5">
             <a:extLst>
               <a:ext uri="{FF2B5EF4-FFF2-40B4-BE49-F238E27FC236}">
-                <a16:creationId xmlns:a16="http://schemas.microsoft.com/office/drawing/2014/main" xmlns="" id="{600BC6BB-F68A-4021-994A-3985D0B8C07C}"/>
+                <a16:creationId xmlns:a16="http://schemas.microsoft.com/office/drawing/2014/main" id="{600BC6BB-F68A-4021-994A-3985D0B8C07C}"/>
               </a:ext>
             </a:extLst>
           </p:cNvPr>
@@ -5594,13 +5540,6 @@
   <p:clrMapOvr>
     <a:masterClrMapping/>
   </p:clrMapOvr>
-  <p:timing>
-    <p:tnLst>
-      <p:par>
-        <p:cTn id="1" dur="indefinite" restart="never" nodeType="tmRoot"/>
-      </p:par>
-    </p:tnLst>
-  </p:timing>
 </p:sld>
 </file>
 
@@ -5626,7 +5565,7 @@
           <p:cNvPr id="2" name="Title 1">
             <a:extLst>
               <a:ext uri="{FF2B5EF4-FFF2-40B4-BE49-F238E27FC236}">
-                <a16:creationId xmlns:a16="http://schemas.microsoft.com/office/drawing/2014/main" xmlns="" id="{E34F0580-A203-4A19-A1EA-D994C7756136}"/>
+                <a16:creationId xmlns:a16="http://schemas.microsoft.com/office/drawing/2014/main" id="{E34F0580-A203-4A19-A1EA-D994C7756136}"/>
               </a:ext>
             </a:extLst>
           </p:cNvPr>
@@ -5646,7 +5585,6 @@
               <a:rPr lang="it-IT" dirty="0"/>
               <a:t>Wireframes and First Look</a:t>
             </a:r>
-            <a:endParaRPr lang="it-IT" dirty="0"/>
           </a:p>
         </p:txBody>
       </p:sp>
@@ -5655,7 +5593,7 @@
           <p:cNvPr id="4" name="Date Placeholder 3">
             <a:extLst>
               <a:ext uri="{FF2B5EF4-FFF2-40B4-BE49-F238E27FC236}">
-                <a16:creationId xmlns:a16="http://schemas.microsoft.com/office/drawing/2014/main" xmlns="" id="{E89CD802-A9B2-44A4-9B05-521831710354}"/>
+                <a16:creationId xmlns:a16="http://schemas.microsoft.com/office/drawing/2014/main" id="{E89CD802-A9B2-44A4-9B05-521831710354}"/>
               </a:ext>
             </a:extLst>
           </p:cNvPr>
@@ -5684,7 +5622,7 @@
           <p:cNvPr id="5" name="Footer Placeholder 4">
             <a:extLst>
               <a:ext uri="{FF2B5EF4-FFF2-40B4-BE49-F238E27FC236}">
-                <a16:creationId xmlns:a16="http://schemas.microsoft.com/office/drawing/2014/main" xmlns="" id="{A2B3A699-F20F-43DD-A646-DF2CFAACD8E2}"/>
+                <a16:creationId xmlns:a16="http://schemas.microsoft.com/office/drawing/2014/main" id="{A2B3A699-F20F-43DD-A646-DF2CFAACD8E2}"/>
               </a:ext>
             </a:extLst>
           </p:cNvPr>
@@ -5713,7 +5651,7 @@
           <p:cNvPr id="6" name="Slide Number Placeholder 5">
             <a:extLst>
               <a:ext uri="{FF2B5EF4-FFF2-40B4-BE49-F238E27FC236}">
-                <a16:creationId xmlns:a16="http://schemas.microsoft.com/office/drawing/2014/main" xmlns="" id="{600BC6BB-F68A-4021-994A-3985D0B8C07C}"/>
+                <a16:creationId xmlns:a16="http://schemas.microsoft.com/office/drawing/2014/main" id="{600BC6BB-F68A-4021-994A-3985D0B8C07C}"/>
               </a:ext>
             </a:extLst>
           </p:cNvPr>
@@ -5776,13 +5714,151 @@
   <p:clrMapOvr>
     <a:masterClrMapping/>
   </p:clrMapOvr>
-  <p:timing>
-    <p:tnLst>
-      <p:par>
-        <p:cTn id="1" dur="indefinite" restart="never" nodeType="tmRoot"/>
-      </p:par>
-    </p:tnLst>
-  </p:timing>
+</p:sld>
+</file>
+
+<file path=ppt/slides/slide8.xml><?xml version="1.0" encoding="utf-8"?>
+<p:sld xmlns:a="http://schemas.openxmlformats.org/drawingml/2006/main" xmlns:r="http://schemas.openxmlformats.org/officeDocument/2006/relationships" xmlns:p="http://schemas.openxmlformats.org/presentationml/2006/main">
+  <p:cSld>
+    <p:spTree>
+      <p:nvGrpSpPr>
+        <p:cNvPr id="1" name=""/>
+        <p:cNvGrpSpPr/>
+        <p:nvPr/>
+      </p:nvGrpSpPr>
+      <p:grpSpPr>
+        <a:xfrm>
+          <a:off x="0" y="0"/>
+          <a:ext cx="0" cy="0"/>
+          <a:chOff x="0" y="0"/>
+          <a:chExt cx="0" cy="0"/>
+        </a:xfrm>
+      </p:grpSpPr>
+      <p:sp>
+        <p:nvSpPr>
+          <p:cNvPr id="2" name="Title 1">
+            <a:extLst>
+              <a:ext uri="{FF2B5EF4-FFF2-40B4-BE49-F238E27FC236}">
+                <a16:creationId xmlns:a16="http://schemas.microsoft.com/office/drawing/2014/main" id="{8E13A3F7-DEA5-4422-8558-68CCCB4DDBA5}"/>
+              </a:ext>
+            </a:extLst>
+          </p:cNvPr>
+          <p:cNvSpPr>
+            <a:spLocks noGrp="1"/>
+          </p:cNvSpPr>
+          <p:nvPr>
+            <p:ph type="ctrTitle"/>
+          </p:nvPr>
+        </p:nvSpPr>
+        <p:spPr/>
+        <p:txBody>
+          <a:bodyPr/>
+          <a:lstStyle/>
+          <a:p>
+            <a:r>
+              <a:rPr lang="it-IT" dirty="0"/>
+              <a:t>Thank you for your attention</a:t>
+            </a:r>
+            <a:endParaRPr lang="en-GB" dirty="0"/>
+          </a:p>
+        </p:txBody>
+      </p:sp>
+      <p:sp>
+        <p:nvSpPr>
+          <p:cNvPr id="4" name="Date Placeholder 3">
+            <a:extLst>
+              <a:ext uri="{FF2B5EF4-FFF2-40B4-BE49-F238E27FC236}">
+                <a16:creationId xmlns:a16="http://schemas.microsoft.com/office/drawing/2014/main" id="{81FDD2C4-0427-4096-A8D4-C3582059EA53}"/>
+              </a:ext>
+            </a:extLst>
+          </p:cNvPr>
+          <p:cNvSpPr>
+            <a:spLocks noGrp="1"/>
+          </p:cNvSpPr>
+          <p:nvPr>
+            <p:ph type="dt" sz="half" idx="10"/>
+          </p:nvPr>
+        </p:nvSpPr>
+        <p:spPr/>
+        <p:txBody>
+          <a:bodyPr/>
+          <a:lstStyle/>
+          <a:p>
+            <a:r>
+              <a:rPr lang="en-US"/>
+              <a:t>A.Y. 2017/18</a:t>
+            </a:r>
+            <a:endParaRPr lang="en-GB"/>
+          </a:p>
+        </p:txBody>
+      </p:sp>
+      <p:sp>
+        <p:nvSpPr>
+          <p:cNvPr id="5" name="Footer Placeholder 4">
+            <a:extLst>
+              <a:ext uri="{FF2B5EF4-FFF2-40B4-BE49-F238E27FC236}">
+                <a16:creationId xmlns:a16="http://schemas.microsoft.com/office/drawing/2014/main" id="{0339F8C2-760A-470D-9C24-4B488FA39B09}"/>
+              </a:ext>
+            </a:extLst>
+          </p:cNvPr>
+          <p:cNvSpPr>
+            <a:spLocks noGrp="1"/>
+          </p:cNvSpPr>
+          <p:nvPr>
+            <p:ph type="ftr" sz="quarter" idx="11"/>
+          </p:nvPr>
+        </p:nvSpPr>
+        <p:spPr/>
+        <p:txBody>
+          <a:bodyPr/>
+          <a:lstStyle/>
+          <a:p>
+            <a:r>
+              <a:rPr lang="en-GB"/>
+              <a:t>IMS – A6</a:t>
+            </a:r>
+          </a:p>
+        </p:txBody>
+      </p:sp>
+      <p:sp>
+        <p:nvSpPr>
+          <p:cNvPr id="6" name="Slide Number Placeholder 5">
+            <a:extLst>
+              <a:ext uri="{FF2B5EF4-FFF2-40B4-BE49-F238E27FC236}">
+                <a16:creationId xmlns:a16="http://schemas.microsoft.com/office/drawing/2014/main" id="{D0A895D0-D134-4047-9611-2A8B9DE2E512}"/>
+              </a:ext>
+            </a:extLst>
+          </p:cNvPr>
+          <p:cNvSpPr>
+            <a:spLocks noGrp="1"/>
+          </p:cNvSpPr>
+          <p:nvPr>
+            <p:ph type="sldNum" sz="quarter" idx="12"/>
+          </p:nvPr>
+        </p:nvSpPr>
+        <p:spPr/>
+        <p:txBody>
+          <a:bodyPr/>
+          <a:lstStyle/>
+          <a:p>
+            <a:fld id="{E63C5663-C309-400D-BD5F-8327758EFEBB}" type="slidenum">
+              <a:rPr lang="en-GB" smtClean="0"/>
+              <a:t>8</a:t>
+            </a:fld>
+            <a:endParaRPr lang="en-GB"/>
+          </a:p>
+        </p:txBody>
+      </p:sp>
+    </p:spTree>
+    <p:extLst>
+      <p:ext uri="{BB962C8B-B14F-4D97-AF65-F5344CB8AC3E}">
+        <p14:creationId xmlns:p14="http://schemas.microsoft.com/office/powerpoint/2010/main" val="2750131255"/>
+      </p:ext>
+    </p:extLst>
+  </p:cSld>
+  <p:clrMapOvr>
+    <a:masterClrMapping/>
+  </p:clrMapOvr>
 </p:sld>
 </file>
 

--- a/Presentations/2. Intermediate presentation/IMS_A_6_Intermediate_Presentation.pptx
+++ b/Presentations/2. Intermediate presentation/IMS_A_6_Intermediate_Presentation.pptx
@@ -5,10 +5,10 @@
     <p:sldMasterId id="2147483732" r:id="rId1"/>
   </p:sldMasterIdLst>
   <p:notesMasterIdLst>
-    <p:notesMasterId r:id="rId10"/>
+    <p:notesMasterId r:id="rId12"/>
   </p:notesMasterIdLst>
   <p:handoutMasterIdLst>
-    <p:handoutMasterId r:id="rId11"/>
+    <p:handoutMasterId r:id="rId13"/>
   </p:handoutMasterIdLst>
   <p:sldIdLst>
     <p:sldId id="256" r:id="rId2"/>
@@ -18,7 +18,9 @@
     <p:sldId id="262" r:id="rId6"/>
     <p:sldId id="263" r:id="rId7"/>
     <p:sldId id="264" r:id="rId8"/>
-    <p:sldId id="266" r:id="rId9"/>
+    <p:sldId id="267" r:id="rId9"/>
+    <p:sldId id="268" r:id="rId10"/>
+    <p:sldId id="266" r:id="rId11"/>
   </p:sldIdLst>
   <p:sldSz cx="9144000" cy="6858000" type="screen4x3"/>
   <p:notesSz cx="6858000" cy="9144000"/>
@@ -226,7 +228,7 @@
           <a:p>
             <a:fld id="{A6952B95-06EE-48F9-8CE6-BD72AE48B352}" type="datetimeFigureOut">
               <a:rPr lang="en-GB" smtClean="0"/>
-              <a:t>27/11/2017</a:t>
+              <a:t>28/11/2017</a:t>
             </a:fld>
             <a:endParaRPr lang="en-GB"/>
           </a:p>
@@ -403,7 +405,7 @@
           <a:p>
             <a:fld id="{5D71F2A7-5F20-42E8-AABF-EC7FFDF3CF26}" type="datetimeFigureOut">
               <a:rPr lang="en-GB" smtClean="0"/>
-              <a:t>27/11/2017</a:t>
+              <a:t>28/11/2017</a:t>
             </a:fld>
             <a:endParaRPr lang="en-GB"/>
           </a:p>
@@ -4558,10 +4560,191 @@
           </a:p>
         </p:txBody>
       </p:sp>
+      <p:pic>
+        <p:nvPicPr>
+          <p:cNvPr id="9" name="Picture 8">
+            <a:extLst>
+              <a:ext uri="{FF2B5EF4-FFF2-40B4-BE49-F238E27FC236}">
+                <a16:creationId xmlns:a16="http://schemas.microsoft.com/office/drawing/2014/main" id="{9CDF0014-5D5B-425C-8A37-DEAFF669491D}"/>
+              </a:ext>
+            </a:extLst>
+          </p:cNvPr>
+          <p:cNvPicPr>
+            <a:picLocks noChangeAspect="1"/>
+          </p:cNvPicPr>
+          <p:nvPr/>
+        </p:nvPicPr>
+        <p:blipFill>
+          <a:blip r:embed="rId2">
+            <a:extLst>
+              <a:ext uri="{28A0092B-C50C-407E-A947-70E740481C1C}">
+                <a14:useLocalDpi xmlns:a14="http://schemas.microsoft.com/office/drawing/2010/main" val="0"/>
+              </a:ext>
+            </a:extLst>
+          </a:blip>
+          <a:stretch>
+            <a:fillRect/>
+          </a:stretch>
+        </p:blipFill>
+        <p:spPr>
+          <a:xfrm>
+            <a:off x="6833716" y="-210223"/>
+            <a:ext cx="2426007" cy="2157806"/>
+          </a:xfrm>
+          <a:prstGeom prst="rect">
+            <a:avLst/>
+          </a:prstGeom>
+        </p:spPr>
+      </p:pic>
     </p:spTree>
     <p:extLst>
       <p:ext uri="{BB962C8B-B14F-4D97-AF65-F5344CB8AC3E}">
         <p14:creationId xmlns:p14="http://schemas.microsoft.com/office/powerpoint/2010/main" val="1653033369"/>
+      </p:ext>
+    </p:extLst>
+  </p:cSld>
+  <p:clrMapOvr>
+    <a:masterClrMapping/>
+  </p:clrMapOvr>
+</p:sld>
+</file>
+
+<file path=ppt/slides/slide10.xml><?xml version="1.0" encoding="utf-8"?>
+<p:sld xmlns:a="http://schemas.openxmlformats.org/drawingml/2006/main" xmlns:r="http://schemas.openxmlformats.org/officeDocument/2006/relationships" xmlns:p="http://schemas.openxmlformats.org/presentationml/2006/main">
+  <p:cSld>
+    <p:spTree>
+      <p:nvGrpSpPr>
+        <p:cNvPr id="1" name=""/>
+        <p:cNvGrpSpPr/>
+        <p:nvPr/>
+      </p:nvGrpSpPr>
+      <p:grpSpPr>
+        <a:xfrm>
+          <a:off x="0" y="0"/>
+          <a:ext cx="0" cy="0"/>
+          <a:chOff x="0" y="0"/>
+          <a:chExt cx="0" cy="0"/>
+        </a:xfrm>
+      </p:grpSpPr>
+      <p:sp>
+        <p:nvSpPr>
+          <p:cNvPr id="2" name="Title 1">
+            <a:extLst>
+              <a:ext uri="{FF2B5EF4-FFF2-40B4-BE49-F238E27FC236}">
+                <a16:creationId xmlns:a16="http://schemas.microsoft.com/office/drawing/2014/main" id="{8E13A3F7-DEA5-4422-8558-68CCCB4DDBA5}"/>
+              </a:ext>
+            </a:extLst>
+          </p:cNvPr>
+          <p:cNvSpPr>
+            <a:spLocks noGrp="1"/>
+          </p:cNvSpPr>
+          <p:nvPr>
+            <p:ph type="ctrTitle"/>
+          </p:nvPr>
+        </p:nvSpPr>
+        <p:spPr/>
+        <p:txBody>
+          <a:bodyPr/>
+          <a:lstStyle/>
+          <a:p>
+            <a:r>
+              <a:rPr lang="it-IT" dirty="0"/>
+              <a:t>Thank you for your attention</a:t>
+            </a:r>
+            <a:endParaRPr lang="en-GB" dirty="0"/>
+          </a:p>
+        </p:txBody>
+      </p:sp>
+      <p:sp>
+        <p:nvSpPr>
+          <p:cNvPr id="4" name="Date Placeholder 3">
+            <a:extLst>
+              <a:ext uri="{FF2B5EF4-FFF2-40B4-BE49-F238E27FC236}">
+                <a16:creationId xmlns:a16="http://schemas.microsoft.com/office/drawing/2014/main" id="{81FDD2C4-0427-4096-A8D4-C3582059EA53}"/>
+              </a:ext>
+            </a:extLst>
+          </p:cNvPr>
+          <p:cNvSpPr>
+            <a:spLocks noGrp="1"/>
+          </p:cNvSpPr>
+          <p:nvPr>
+            <p:ph type="dt" sz="half" idx="10"/>
+          </p:nvPr>
+        </p:nvSpPr>
+        <p:spPr/>
+        <p:txBody>
+          <a:bodyPr/>
+          <a:lstStyle/>
+          <a:p>
+            <a:r>
+              <a:rPr lang="en-US"/>
+              <a:t>A.Y. 2017/18</a:t>
+            </a:r>
+            <a:endParaRPr lang="en-GB"/>
+          </a:p>
+        </p:txBody>
+      </p:sp>
+      <p:sp>
+        <p:nvSpPr>
+          <p:cNvPr id="5" name="Footer Placeholder 4">
+            <a:extLst>
+              <a:ext uri="{FF2B5EF4-FFF2-40B4-BE49-F238E27FC236}">
+                <a16:creationId xmlns:a16="http://schemas.microsoft.com/office/drawing/2014/main" id="{0339F8C2-760A-470D-9C24-4B488FA39B09}"/>
+              </a:ext>
+            </a:extLst>
+          </p:cNvPr>
+          <p:cNvSpPr>
+            <a:spLocks noGrp="1"/>
+          </p:cNvSpPr>
+          <p:nvPr>
+            <p:ph type="ftr" sz="quarter" idx="11"/>
+          </p:nvPr>
+        </p:nvSpPr>
+        <p:spPr/>
+        <p:txBody>
+          <a:bodyPr/>
+          <a:lstStyle/>
+          <a:p>
+            <a:r>
+              <a:rPr lang="en-GB"/>
+              <a:t>IMS – A6</a:t>
+            </a:r>
+          </a:p>
+        </p:txBody>
+      </p:sp>
+      <p:sp>
+        <p:nvSpPr>
+          <p:cNvPr id="6" name="Slide Number Placeholder 5">
+            <a:extLst>
+              <a:ext uri="{FF2B5EF4-FFF2-40B4-BE49-F238E27FC236}">
+                <a16:creationId xmlns:a16="http://schemas.microsoft.com/office/drawing/2014/main" id="{D0A895D0-D134-4047-9611-2A8B9DE2E512}"/>
+              </a:ext>
+            </a:extLst>
+          </p:cNvPr>
+          <p:cNvSpPr>
+            <a:spLocks noGrp="1"/>
+          </p:cNvSpPr>
+          <p:nvPr>
+            <p:ph type="sldNum" sz="quarter" idx="12"/>
+          </p:nvPr>
+        </p:nvSpPr>
+        <p:spPr/>
+        <p:txBody>
+          <a:bodyPr/>
+          <a:lstStyle/>
+          <a:p>
+            <a:fld id="{E63C5663-C309-400D-BD5F-8327758EFEBB}" type="slidenum">
+              <a:rPr lang="en-GB" smtClean="0"/>
+              <a:t>10</a:t>
+            </a:fld>
+            <a:endParaRPr lang="en-GB"/>
+          </a:p>
+        </p:txBody>
+      </p:sp>
+    </p:spTree>
+    <p:extLst>
+      <p:ext uri="{BB962C8B-B14F-4D97-AF65-F5344CB8AC3E}">
+        <p14:creationId xmlns:p14="http://schemas.microsoft.com/office/powerpoint/2010/main" val="2750131255"/>
       </p:ext>
     </p:extLst>
   </p:cSld>
@@ -5739,7 +5922,7 @@
           <p:cNvPr id="2" name="Title 1">
             <a:extLst>
               <a:ext uri="{FF2B5EF4-FFF2-40B4-BE49-F238E27FC236}">
-                <a16:creationId xmlns:a16="http://schemas.microsoft.com/office/drawing/2014/main" id="{8E13A3F7-DEA5-4422-8558-68CCCB4DDBA5}"/>
+                <a16:creationId xmlns:a16="http://schemas.microsoft.com/office/drawing/2014/main" id="{E34F0580-A203-4A19-A1EA-D994C7756136}"/>
               </a:ext>
             </a:extLst>
           </p:cNvPr>
@@ -5747,7 +5930,7 @@
             <a:spLocks noGrp="1"/>
           </p:cNvSpPr>
           <p:nvPr>
-            <p:ph type="ctrTitle"/>
+            <p:ph type="title"/>
           </p:nvPr>
         </p:nvSpPr>
         <p:spPr/>
@@ -5757,9 +5940,8 @@
           <a:p>
             <a:r>
               <a:rPr lang="it-IT" dirty="0"/>
-              <a:t>Thank you for your attention</a:t>
-            </a:r>
-            <a:endParaRPr lang="en-GB" dirty="0"/>
+              <a:t>Mobile Version</a:t>
+            </a:r>
           </a:p>
         </p:txBody>
       </p:sp>
@@ -5768,7 +5950,7 @@
           <p:cNvPr id="4" name="Date Placeholder 3">
             <a:extLst>
               <a:ext uri="{FF2B5EF4-FFF2-40B4-BE49-F238E27FC236}">
-                <a16:creationId xmlns:a16="http://schemas.microsoft.com/office/drawing/2014/main" id="{81FDD2C4-0427-4096-A8D4-C3582059EA53}"/>
+                <a16:creationId xmlns:a16="http://schemas.microsoft.com/office/drawing/2014/main" id="{E89CD802-A9B2-44A4-9B05-521831710354}"/>
               </a:ext>
             </a:extLst>
           </p:cNvPr>
@@ -5788,7 +5970,7 @@
               <a:rPr lang="en-US"/>
               <a:t>A.Y. 2017/18</a:t>
             </a:r>
-            <a:endParaRPr lang="en-GB"/>
+            <a:endParaRPr lang="en-GB" dirty="0"/>
           </a:p>
         </p:txBody>
       </p:sp>
@@ -5797,7 +5979,7 @@
           <p:cNvPr id="5" name="Footer Placeholder 4">
             <a:extLst>
               <a:ext uri="{FF2B5EF4-FFF2-40B4-BE49-F238E27FC236}">
-                <a16:creationId xmlns:a16="http://schemas.microsoft.com/office/drawing/2014/main" id="{0339F8C2-760A-470D-9C24-4B488FA39B09}"/>
+                <a16:creationId xmlns:a16="http://schemas.microsoft.com/office/drawing/2014/main" id="{A2B3A699-F20F-43DD-A646-DF2CFAACD8E2}"/>
               </a:ext>
             </a:extLst>
           </p:cNvPr>
@@ -5814,9 +5996,10 @@
           <a:lstStyle/>
           <a:p>
             <a:r>
-              <a:rPr lang="en-GB"/>
+              <a:rPr lang="it-IT"/>
               <a:t>IMS – A6</a:t>
             </a:r>
+            <a:endParaRPr lang="en-GB" dirty="0"/>
           </a:p>
         </p:txBody>
       </p:sp>
@@ -5825,7 +6008,7 @@
           <p:cNvPr id="6" name="Slide Number Placeholder 5">
             <a:extLst>
               <a:ext uri="{FF2B5EF4-FFF2-40B4-BE49-F238E27FC236}">
-                <a16:creationId xmlns:a16="http://schemas.microsoft.com/office/drawing/2014/main" id="{D0A895D0-D134-4047-9611-2A8B9DE2E512}"/>
+                <a16:creationId xmlns:a16="http://schemas.microsoft.com/office/drawing/2014/main" id="{600BC6BB-F68A-4021-994A-3985D0B8C07C}"/>
               </a:ext>
             </a:extLst>
           </p:cNvPr>
@@ -5845,14 +6028,301 @@
               <a:rPr lang="en-GB" smtClean="0"/>
               <a:t>8</a:t>
             </a:fld>
-            <a:endParaRPr lang="en-GB"/>
-          </a:p>
-        </p:txBody>
-      </p:sp>
+            <a:endParaRPr lang="en-GB" dirty="0"/>
+          </a:p>
+        </p:txBody>
+      </p:sp>
+      <p:pic>
+        <p:nvPicPr>
+          <p:cNvPr id="10" name="Content Placeholder 9">
+            <a:extLst>
+              <a:ext uri="{FF2B5EF4-FFF2-40B4-BE49-F238E27FC236}">
+                <a16:creationId xmlns:a16="http://schemas.microsoft.com/office/drawing/2014/main" id="{9E233749-7E6C-4ACD-8C23-B4C52D1BB8FB}"/>
+              </a:ext>
+            </a:extLst>
+          </p:cNvPr>
+          <p:cNvPicPr>
+            <a:picLocks noGrp="1" noChangeAspect="1"/>
+          </p:cNvPicPr>
+          <p:nvPr>
+            <p:ph idx="1"/>
+          </p:nvPr>
+        </p:nvPicPr>
+        <p:blipFill>
+          <a:blip r:embed="rId2">
+            <a:extLst>
+              <a:ext uri="{28A0092B-C50C-407E-A947-70E740481C1C}">
+                <a14:useLocalDpi xmlns:a14="http://schemas.microsoft.com/office/drawing/2010/main" val="0"/>
+              </a:ext>
+            </a:extLst>
+          </a:blip>
+          <a:stretch>
+            <a:fillRect/>
+          </a:stretch>
+        </p:blipFill>
+        <p:spPr>
+          <a:xfrm>
+            <a:off x="1217243" y="1909438"/>
+            <a:ext cx="2105924" cy="4413423"/>
+          </a:xfrm>
+        </p:spPr>
+      </p:pic>
+      <p:pic>
+        <p:nvPicPr>
+          <p:cNvPr id="12" name="Picture 11">
+            <a:extLst>
+              <a:ext uri="{FF2B5EF4-FFF2-40B4-BE49-F238E27FC236}">
+                <a16:creationId xmlns:a16="http://schemas.microsoft.com/office/drawing/2014/main" id="{FAA250B4-720B-4258-82AC-408086EEAF6E}"/>
+              </a:ext>
+            </a:extLst>
+          </p:cNvPr>
+          <p:cNvPicPr>
+            <a:picLocks noChangeAspect="1"/>
+          </p:cNvPicPr>
+          <p:nvPr/>
+        </p:nvPicPr>
+        <p:blipFill>
+          <a:blip r:embed="rId3">
+            <a:extLst>
+              <a:ext uri="{28A0092B-C50C-407E-A947-70E740481C1C}">
+                <a14:useLocalDpi xmlns:a14="http://schemas.microsoft.com/office/drawing/2010/main" val="0"/>
+              </a:ext>
+            </a:extLst>
+          </a:blip>
+          <a:stretch>
+            <a:fillRect/>
+          </a:stretch>
+        </p:blipFill>
+        <p:spPr>
+          <a:xfrm>
+            <a:off x="5418648" y="1910153"/>
+            <a:ext cx="2006696" cy="4412708"/>
+          </a:xfrm>
+          <a:prstGeom prst="rect">
+            <a:avLst/>
+          </a:prstGeom>
+        </p:spPr>
+      </p:pic>
     </p:spTree>
     <p:extLst>
       <p:ext uri="{BB962C8B-B14F-4D97-AF65-F5344CB8AC3E}">
-        <p14:creationId xmlns:p14="http://schemas.microsoft.com/office/powerpoint/2010/main" val="2750131255"/>
+        <p14:creationId xmlns:p14="http://schemas.microsoft.com/office/powerpoint/2010/main" val="2697027552"/>
+      </p:ext>
+    </p:extLst>
+  </p:cSld>
+  <p:clrMapOvr>
+    <a:masterClrMapping/>
+  </p:clrMapOvr>
+</p:sld>
+</file>
+
+<file path=ppt/slides/slide9.xml><?xml version="1.0" encoding="utf-8"?>
+<p:sld xmlns:a="http://schemas.openxmlformats.org/drawingml/2006/main" xmlns:r="http://schemas.openxmlformats.org/officeDocument/2006/relationships" xmlns:p="http://schemas.openxmlformats.org/presentationml/2006/main">
+  <p:cSld>
+    <p:spTree>
+      <p:nvGrpSpPr>
+        <p:cNvPr id="1" name=""/>
+        <p:cNvGrpSpPr/>
+        <p:nvPr/>
+      </p:nvGrpSpPr>
+      <p:grpSpPr>
+        <a:xfrm>
+          <a:off x="0" y="0"/>
+          <a:ext cx="0" cy="0"/>
+          <a:chOff x="0" y="0"/>
+          <a:chExt cx="0" cy="0"/>
+        </a:xfrm>
+      </p:grpSpPr>
+      <p:sp>
+        <p:nvSpPr>
+          <p:cNvPr id="2" name="Title 1">
+            <a:extLst>
+              <a:ext uri="{FF2B5EF4-FFF2-40B4-BE49-F238E27FC236}">
+                <a16:creationId xmlns:a16="http://schemas.microsoft.com/office/drawing/2014/main" id="{E34F0580-A203-4A19-A1EA-D994C7756136}"/>
+              </a:ext>
+            </a:extLst>
+          </p:cNvPr>
+          <p:cNvSpPr>
+            <a:spLocks noGrp="1"/>
+          </p:cNvSpPr>
+          <p:nvPr>
+            <p:ph type="title"/>
+          </p:nvPr>
+        </p:nvSpPr>
+        <p:spPr/>
+        <p:txBody>
+          <a:bodyPr/>
+          <a:lstStyle/>
+          <a:p>
+            <a:r>
+              <a:rPr lang="it-IT" dirty="0"/>
+              <a:t>Mobile Version</a:t>
+            </a:r>
+          </a:p>
+        </p:txBody>
+      </p:sp>
+      <p:sp>
+        <p:nvSpPr>
+          <p:cNvPr id="4" name="Date Placeholder 3">
+            <a:extLst>
+              <a:ext uri="{FF2B5EF4-FFF2-40B4-BE49-F238E27FC236}">
+                <a16:creationId xmlns:a16="http://schemas.microsoft.com/office/drawing/2014/main" id="{E89CD802-A9B2-44A4-9B05-521831710354}"/>
+              </a:ext>
+            </a:extLst>
+          </p:cNvPr>
+          <p:cNvSpPr>
+            <a:spLocks noGrp="1"/>
+          </p:cNvSpPr>
+          <p:nvPr>
+            <p:ph type="dt" sz="half" idx="10"/>
+          </p:nvPr>
+        </p:nvSpPr>
+        <p:spPr/>
+        <p:txBody>
+          <a:bodyPr/>
+          <a:lstStyle/>
+          <a:p>
+            <a:r>
+              <a:rPr lang="en-US"/>
+              <a:t>A.Y. 2017/18</a:t>
+            </a:r>
+            <a:endParaRPr lang="en-GB" dirty="0"/>
+          </a:p>
+        </p:txBody>
+      </p:sp>
+      <p:sp>
+        <p:nvSpPr>
+          <p:cNvPr id="5" name="Footer Placeholder 4">
+            <a:extLst>
+              <a:ext uri="{FF2B5EF4-FFF2-40B4-BE49-F238E27FC236}">
+                <a16:creationId xmlns:a16="http://schemas.microsoft.com/office/drawing/2014/main" id="{A2B3A699-F20F-43DD-A646-DF2CFAACD8E2}"/>
+              </a:ext>
+            </a:extLst>
+          </p:cNvPr>
+          <p:cNvSpPr>
+            <a:spLocks noGrp="1"/>
+          </p:cNvSpPr>
+          <p:nvPr>
+            <p:ph type="ftr" sz="quarter" idx="11"/>
+          </p:nvPr>
+        </p:nvSpPr>
+        <p:spPr/>
+        <p:txBody>
+          <a:bodyPr/>
+          <a:lstStyle/>
+          <a:p>
+            <a:r>
+              <a:rPr lang="it-IT"/>
+              <a:t>IMS – A6</a:t>
+            </a:r>
+            <a:endParaRPr lang="en-GB" dirty="0"/>
+          </a:p>
+        </p:txBody>
+      </p:sp>
+      <p:sp>
+        <p:nvSpPr>
+          <p:cNvPr id="6" name="Slide Number Placeholder 5">
+            <a:extLst>
+              <a:ext uri="{FF2B5EF4-FFF2-40B4-BE49-F238E27FC236}">
+                <a16:creationId xmlns:a16="http://schemas.microsoft.com/office/drawing/2014/main" id="{600BC6BB-F68A-4021-994A-3985D0B8C07C}"/>
+              </a:ext>
+            </a:extLst>
+          </p:cNvPr>
+          <p:cNvSpPr>
+            <a:spLocks noGrp="1"/>
+          </p:cNvSpPr>
+          <p:nvPr>
+            <p:ph type="sldNum" sz="quarter" idx="12"/>
+          </p:nvPr>
+        </p:nvSpPr>
+        <p:spPr/>
+        <p:txBody>
+          <a:bodyPr/>
+          <a:lstStyle/>
+          <a:p>
+            <a:fld id="{E63C5663-C309-400D-BD5F-8327758EFEBB}" type="slidenum">
+              <a:rPr lang="en-GB" smtClean="0"/>
+              <a:t>9</a:t>
+            </a:fld>
+            <a:endParaRPr lang="en-GB" dirty="0"/>
+          </a:p>
+        </p:txBody>
+      </p:sp>
+      <p:pic>
+        <p:nvPicPr>
+          <p:cNvPr id="9" name="Content Placeholder 8">
+            <a:extLst>
+              <a:ext uri="{FF2B5EF4-FFF2-40B4-BE49-F238E27FC236}">
+                <a16:creationId xmlns:a16="http://schemas.microsoft.com/office/drawing/2014/main" id="{EBE0F493-60E6-4BCF-B6D1-F800342B8628}"/>
+              </a:ext>
+            </a:extLst>
+          </p:cNvPr>
+          <p:cNvPicPr>
+            <a:picLocks noGrp="1" noChangeAspect="1"/>
+          </p:cNvPicPr>
+          <p:nvPr>
+            <p:ph idx="1"/>
+          </p:nvPr>
+        </p:nvPicPr>
+        <p:blipFill>
+          <a:blip r:embed="rId2">
+            <a:extLst>
+              <a:ext uri="{28A0092B-C50C-407E-A947-70E740481C1C}">
+                <a14:useLocalDpi xmlns:a14="http://schemas.microsoft.com/office/drawing/2010/main" val="0"/>
+              </a:ext>
+            </a:extLst>
+          </a:blip>
+          <a:stretch>
+            <a:fillRect/>
+          </a:stretch>
+        </p:blipFill>
+        <p:spPr>
+          <a:xfrm>
+            <a:off x="1381874" y="1874804"/>
+            <a:ext cx="1933712" cy="4447539"/>
+          </a:xfrm>
+        </p:spPr>
+      </p:pic>
+      <p:pic>
+        <p:nvPicPr>
+          <p:cNvPr id="13" name="Picture 12">
+            <a:extLst>
+              <a:ext uri="{FF2B5EF4-FFF2-40B4-BE49-F238E27FC236}">
+                <a16:creationId xmlns:a16="http://schemas.microsoft.com/office/drawing/2014/main" id="{F695C104-C802-4267-A5AF-9706D67E2588}"/>
+              </a:ext>
+            </a:extLst>
+          </p:cNvPr>
+          <p:cNvPicPr>
+            <a:picLocks noChangeAspect="1"/>
+          </p:cNvPicPr>
+          <p:nvPr/>
+        </p:nvPicPr>
+        <p:blipFill>
+          <a:blip r:embed="rId3">
+            <a:extLst>
+              <a:ext uri="{28A0092B-C50C-407E-A947-70E740481C1C}">
+                <a14:useLocalDpi xmlns:a14="http://schemas.microsoft.com/office/drawing/2010/main" val="0"/>
+              </a:ext>
+            </a:extLst>
+          </a:blip>
+          <a:stretch>
+            <a:fillRect/>
+          </a:stretch>
+        </p:blipFill>
+        <p:spPr>
+          <a:xfrm>
+            <a:off x="5379720" y="1874804"/>
+            <a:ext cx="1859280" cy="4426858"/>
+          </a:xfrm>
+          <a:prstGeom prst="rect">
+            <a:avLst/>
+          </a:prstGeom>
+        </p:spPr>
+      </p:pic>
+    </p:spTree>
+    <p:extLst>
+      <p:ext uri="{BB962C8B-B14F-4D97-AF65-F5344CB8AC3E}">
+        <p14:creationId xmlns:p14="http://schemas.microsoft.com/office/powerpoint/2010/main" val="1677988175"/>
       </p:ext>
     </p:extLst>
   </p:cSld>

--- a/Presentations/2. Intermediate presentation/IMS_A_6_Intermediate_Presentation.pptx
+++ b/Presentations/2. Intermediate presentation/IMS_A_6_Intermediate_Presentation.pptx
@@ -228,7 +228,7 @@
           <a:p>
             <a:fld id="{A6952B95-06EE-48F9-8CE6-BD72AE48B352}" type="datetimeFigureOut">
               <a:rPr lang="en-GB" smtClean="0"/>
-              <a:t>28/11/2017</a:t>
+              <a:t>29/11/2017</a:t>
             </a:fld>
             <a:endParaRPr lang="en-GB"/>
           </a:p>
@@ -405,7 +405,7 @@
           <a:p>
             <a:fld id="{5D71F2A7-5F20-42E8-AABF-EC7FFDF3CF26}" type="datetimeFigureOut">
               <a:rPr lang="en-GB" smtClean="0"/>
-              <a:t>28/11/2017</a:t>
+              <a:t>29/11/2017</a:t>
             </a:fld>
             <a:endParaRPr lang="en-GB"/>
           </a:p>
@@ -5127,13 +5127,17 @@
       </p:sp>
       <p:pic>
         <p:nvPicPr>
-          <p:cNvPr id="7" name="Content Placeholder 6"/>
+          <p:cNvPr id="8" name="Picture 7">
+            <a:extLst>
+              <a:ext uri="{FF2B5EF4-FFF2-40B4-BE49-F238E27FC236}">
+                <a16:creationId xmlns:a16="http://schemas.microsoft.com/office/drawing/2014/main" id="{29D758A9-58AD-4757-8E20-F8F286EA92A1}"/>
+              </a:ext>
+            </a:extLst>
+          </p:cNvPr>
           <p:cNvPicPr>
-            <a:picLocks noGrp="1" noChangeAspect="1"/>
+            <a:picLocks noChangeAspect="1"/>
           </p:cNvPicPr>
-          <p:nvPr>
-            <p:ph idx="1"/>
-          </p:nvPr>
+          <p:nvPr/>
         </p:nvPicPr>
         <p:blipFill>
           <a:blip r:embed="rId2">
@@ -5149,9 +5153,12 @@
         </p:blipFill>
         <p:spPr>
           <a:xfrm>
-            <a:off x="1300513" y="1957999"/>
-            <a:ext cx="6588693" cy="3975935"/>
+            <a:off x="822960" y="1842126"/>
+            <a:ext cx="7478515" cy="4417998"/>
           </a:xfrm>
+          <a:prstGeom prst="rect">
+            <a:avLst/>
+          </a:prstGeom>
         </p:spPr>
       </p:pic>
     </p:spTree>
